--- a/Titanic disaster analysis.pptx
+++ b/Titanic disaster analysis.pptx
@@ -38,38 +38,39 @@
     <p:sldId id="283" r:id="rId33"/>
     <p:sldId id="284" r:id="rId34"/>
     <p:sldId id="285" r:id="rId35"/>
+    <p:sldId id="286" r:id="rId36"/>
   </p:sldIdLst>
   <p:sldSz cy="5143500" cx="9144000"/>
   <p:notesSz cx="6858000" cy="9144000"/>
   <p:embeddedFontLst>
     <p:embeddedFont>
       <p:font typeface="Roboto"/>
-      <p:regular r:id="rId36"/>
-      <p:bold r:id="rId37"/>
-      <p:italic r:id="rId38"/>
-      <p:boldItalic r:id="rId39"/>
+      <p:regular r:id="rId37"/>
+      <p:bold r:id="rId38"/>
+      <p:italic r:id="rId39"/>
+      <p:boldItalic r:id="rId40"/>
     </p:embeddedFont>
     <p:embeddedFont>
       <p:font typeface="Nunito"/>
-      <p:regular r:id="rId40"/>
-      <p:bold r:id="rId41"/>
-      <p:italic r:id="rId42"/>
-      <p:boldItalic r:id="rId43"/>
+      <p:regular r:id="rId41"/>
+      <p:bold r:id="rId42"/>
+      <p:italic r:id="rId43"/>
+      <p:boldItalic r:id="rId44"/>
     </p:embeddedFont>
     <p:embeddedFont>
       <p:font typeface="Amatic SC"/>
-      <p:regular r:id="rId44"/>
-      <p:bold r:id="rId45"/>
+      <p:regular r:id="rId45"/>
+      <p:bold r:id="rId46"/>
     </p:embeddedFont>
     <p:embeddedFont>
       <p:font typeface="Maven Pro"/>
-      <p:regular r:id="rId46"/>
-      <p:bold r:id="rId47"/>
+      <p:regular r:id="rId47"/>
+      <p:bold r:id="rId48"/>
     </p:embeddedFont>
     <p:embeddedFont>
       <p:font typeface="Comfortaa"/>
-      <p:regular r:id="rId48"/>
-      <p:bold r:id="rId49"/>
+      <p:regular r:id="rId49"/>
+      <p:bold r:id="rId50"/>
     </p:embeddedFont>
   </p:embeddedFontLst>
   <p:defaultTextStyle>
@@ -864,7 +865,7 @@
       </p:grpSpPr>
       <p:sp>
         <p:nvSpPr>
-          <p:cNvPr id="339" name="Google Shape;339;g96d4826e09_0_325:notes"/>
+          <p:cNvPr id="339" name="Google Shape;339;g96d4826e09_0_315:notes"/>
           <p:cNvSpPr/>
           <p:nvPr>
             <p:ph idx="2" type="sldImg"/>
@@ -899,7 +900,7 @@
       </p:sp>
       <p:sp>
         <p:nvSpPr>
-          <p:cNvPr id="340" name="Google Shape;340;g96d4826e09_0_325:notes"/>
+          <p:cNvPr id="340" name="Google Shape;340;g96d4826e09_0_315:notes"/>
           <p:cNvSpPr txBox="1"/>
           <p:nvPr>
             <p:ph idx="1" type="body"/>
@@ -963,7 +964,7 @@
       </p:grpSpPr>
       <p:sp>
         <p:nvSpPr>
-          <p:cNvPr id="346" name="Google Shape;346;g96d4826e09_0_331:notes"/>
+          <p:cNvPr id="346" name="Google Shape;346;g96d4826e09_0_325:notes"/>
           <p:cNvSpPr/>
           <p:nvPr>
             <p:ph idx="2" type="sldImg"/>
@@ -998,7 +999,7 @@
       </p:sp>
       <p:sp>
         <p:nvSpPr>
-          <p:cNvPr id="347" name="Google Shape;347;g96d4826e09_0_331:notes"/>
+          <p:cNvPr id="347" name="Google Shape;347;g96d4826e09_0_325:notes"/>
           <p:cNvSpPr txBox="1"/>
           <p:nvPr>
             <p:ph idx="1" type="body"/>
@@ -1062,7 +1063,7 @@
       </p:grpSpPr>
       <p:sp>
         <p:nvSpPr>
-          <p:cNvPr id="353" name="Google Shape;353;g96d4826e09_0_341:notes"/>
+          <p:cNvPr id="353" name="Google Shape;353;g96d4826e09_0_331:notes"/>
           <p:cNvSpPr/>
           <p:nvPr>
             <p:ph idx="2" type="sldImg"/>
@@ -1097,7 +1098,7 @@
       </p:sp>
       <p:sp>
         <p:nvSpPr>
-          <p:cNvPr id="354" name="Google Shape;354;g96d4826e09_0_341:notes"/>
+          <p:cNvPr id="354" name="Google Shape;354;g96d4826e09_0_331:notes"/>
           <p:cNvSpPr txBox="1"/>
           <p:nvPr>
             <p:ph idx="1" type="body"/>
@@ -1161,7 +1162,7 @@
       </p:grpSpPr>
       <p:sp>
         <p:nvSpPr>
-          <p:cNvPr id="360" name="Google Shape;360;g96d4826e09_0_347:notes"/>
+          <p:cNvPr id="360" name="Google Shape;360;g96d4826e09_0_341:notes"/>
           <p:cNvSpPr/>
           <p:nvPr>
             <p:ph idx="2" type="sldImg"/>
@@ -1196,7 +1197,7 @@
       </p:sp>
       <p:sp>
         <p:nvSpPr>
-          <p:cNvPr id="361" name="Google Shape;361;g96d4826e09_0_347:notes"/>
+          <p:cNvPr id="361" name="Google Shape;361;g96d4826e09_0_341:notes"/>
           <p:cNvSpPr txBox="1"/>
           <p:nvPr>
             <p:ph idx="1" type="body"/>
@@ -1246,7 +1247,7 @@
   <p:cSld>
     <p:spTree>
       <p:nvGrpSpPr>
-        <p:cNvPr id="365" name="Shape 365"/>
+        <p:cNvPr id="366" name="Shape 366"/>
         <p:cNvGrpSpPr/>
         <p:nvPr/>
       </p:nvGrpSpPr>
@@ -1260,7 +1261,7 @@
       </p:grpSpPr>
       <p:sp>
         <p:nvSpPr>
-          <p:cNvPr id="366" name="Google Shape;366;g9886f0ad6f_2_3:notes"/>
+          <p:cNvPr id="367" name="Google Shape;367;g96d4826e09_0_347:notes"/>
           <p:cNvSpPr/>
           <p:nvPr>
             <p:ph idx="2" type="sldImg"/>
@@ -1295,7 +1296,7 @@
       </p:sp>
       <p:sp>
         <p:nvSpPr>
-          <p:cNvPr id="367" name="Google Shape;367;g9886f0ad6f_2_3:notes"/>
+          <p:cNvPr id="368" name="Google Shape;368;g96d4826e09_0_347:notes"/>
           <p:cNvSpPr txBox="1"/>
           <p:nvPr>
             <p:ph idx="1" type="body"/>
@@ -1345,7 +1346,7 @@
   <p:cSld>
     <p:spTree>
       <p:nvGrpSpPr>
-        <p:cNvPr id="371" name="Shape 371"/>
+        <p:cNvPr id="372" name="Shape 372"/>
         <p:cNvGrpSpPr/>
         <p:nvPr/>
       </p:nvGrpSpPr>
@@ -1359,7 +1360,7 @@
       </p:grpSpPr>
       <p:sp>
         <p:nvSpPr>
-          <p:cNvPr id="372" name="Google Shape;372;g9886f0ad6f_2_10:notes"/>
+          <p:cNvPr id="373" name="Google Shape;373;g9886f0ad6f_2_3:notes"/>
           <p:cNvSpPr/>
           <p:nvPr>
             <p:ph idx="2" type="sldImg"/>
@@ -1394,7 +1395,7 @@
       </p:sp>
       <p:sp>
         <p:nvSpPr>
-          <p:cNvPr id="373" name="Google Shape;373;g9886f0ad6f_2_10:notes"/>
+          <p:cNvPr id="374" name="Google Shape;374;g9886f0ad6f_2_3:notes"/>
           <p:cNvSpPr txBox="1"/>
           <p:nvPr>
             <p:ph idx="1" type="body"/>
@@ -1444,7 +1445,7 @@
   <p:cSld>
     <p:spTree>
       <p:nvGrpSpPr>
-        <p:cNvPr id="377" name="Shape 377"/>
+        <p:cNvPr id="378" name="Shape 378"/>
         <p:cNvGrpSpPr/>
         <p:nvPr/>
       </p:nvGrpSpPr>
@@ -1458,7 +1459,7 @@
       </p:grpSpPr>
       <p:sp>
         <p:nvSpPr>
-          <p:cNvPr id="378" name="Google Shape;378;g96d4826e09_0_353:notes"/>
+          <p:cNvPr id="379" name="Google Shape;379;g9886f0ad6f_2_10:notes"/>
           <p:cNvSpPr/>
           <p:nvPr>
             <p:ph idx="2" type="sldImg"/>
@@ -1493,7 +1494,7 @@
       </p:sp>
       <p:sp>
         <p:nvSpPr>
-          <p:cNvPr id="379" name="Google Shape;379;g96d4826e09_0_353:notes"/>
+          <p:cNvPr id="380" name="Google Shape;380;g9886f0ad6f_2_10:notes"/>
           <p:cNvSpPr txBox="1"/>
           <p:nvPr>
             <p:ph idx="1" type="body"/>
@@ -1557,7 +1558,7 @@
       </p:grpSpPr>
       <p:sp>
         <p:nvSpPr>
-          <p:cNvPr id="385" name="Google Shape;385;g96d4826e09_0_359:notes"/>
+          <p:cNvPr id="385" name="Google Shape;385;g96d4826e09_0_353:notes"/>
           <p:cNvSpPr/>
           <p:nvPr>
             <p:ph idx="2" type="sldImg"/>
@@ -1592,7 +1593,7 @@
       </p:sp>
       <p:sp>
         <p:nvSpPr>
-          <p:cNvPr id="386" name="Google Shape;386;g96d4826e09_0_359:notes"/>
+          <p:cNvPr id="386" name="Google Shape;386;g96d4826e09_0_353:notes"/>
           <p:cNvSpPr txBox="1"/>
           <p:nvPr>
             <p:ph idx="1" type="body"/>
@@ -1642,7 +1643,7 @@
   <p:cSld>
     <p:spTree>
       <p:nvGrpSpPr>
-        <p:cNvPr id="390" name="Shape 390"/>
+        <p:cNvPr id="391" name="Shape 391"/>
         <p:cNvGrpSpPr/>
         <p:nvPr/>
       </p:nvGrpSpPr>
@@ -1656,7 +1657,7 @@
       </p:grpSpPr>
       <p:sp>
         <p:nvSpPr>
-          <p:cNvPr id="391" name="Google Shape;391;g9886f0ad6f_2_17:notes"/>
+          <p:cNvPr id="392" name="Google Shape;392;g96d4826e09_0_359:notes"/>
           <p:cNvSpPr/>
           <p:nvPr>
             <p:ph idx="2" type="sldImg"/>
@@ -1691,7 +1692,7 @@
       </p:sp>
       <p:sp>
         <p:nvSpPr>
-          <p:cNvPr id="392" name="Google Shape;392;g9886f0ad6f_2_17:notes"/>
+          <p:cNvPr id="393" name="Google Shape;393;g96d4826e09_0_359:notes"/>
           <p:cNvSpPr txBox="1"/>
           <p:nvPr>
             <p:ph idx="1" type="body"/>
@@ -1741,7 +1742,7 @@
   <p:cSld>
     <p:spTree>
       <p:nvGrpSpPr>
-        <p:cNvPr id="396" name="Shape 396"/>
+        <p:cNvPr id="397" name="Shape 397"/>
         <p:cNvGrpSpPr/>
         <p:nvPr/>
       </p:nvGrpSpPr>
@@ -1755,7 +1756,7 @@
       </p:grpSpPr>
       <p:sp>
         <p:nvSpPr>
-          <p:cNvPr id="397" name="Google Shape;397;g9886f0ad6f_2_24:notes"/>
+          <p:cNvPr id="398" name="Google Shape;398;g9886f0ad6f_2_17:notes"/>
           <p:cNvSpPr/>
           <p:nvPr>
             <p:ph idx="2" type="sldImg"/>
@@ -1790,7 +1791,7 @@
       </p:sp>
       <p:sp>
         <p:nvSpPr>
-          <p:cNvPr id="398" name="Google Shape;398;g9886f0ad6f_2_24:notes"/>
+          <p:cNvPr id="399" name="Google Shape;399;g9886f0ad6f_2_17:notes"/>
           <p:cNvSpPr txBox="1"/>
           <p:nvPr>
             <p:ph idx="1" type="body"/>
@@ -1939,7 +1940,7 @@
   <p:cSld>
     <p:spTree>
       <p:nvGrpSpPr>
-        <p:cNvPr id="402" name="Shape 402"/>
+        <p:cNvPr id="403" name="Shape 403"/>
         <p:cNvGrpSpPr/>
         <p:nvPr/>
       </p:nvGrpSpPr>
@@ -1953,7 +1954,7 @@
       </p:grpSpPr>
       <p:sp>
         <p:nvSpPr>
-          <p:cNvPr id="403" name="Google Shape;403;g96d4826e09_0_365:notes"/>
+          <p:cNvPr id="404" name="Google Shape;404;g9886f0ad6f_2_24:notes"/>
           <p:cNvSpPr/>
           <p:nvPr>
             <p:ph idx="2" type="sldImg"/>
@@ -1988,7 +1989,7 @@
       </p:sp>
       <p:sp>
         <p:nvSpPr>
-          <p:cNvPr id="404" name="Google Shape;404;g96d4826e09_0_365:notes"/>
+          <p:cNvPr id="405" name="Google Shape;405;g9886f0ad6f_2_24:notes"/>
           <p:cNvSpPr txBox="1"/>
           <p:nvPr>
             <p:ph idx="1" type="body"/>
@@ -2052,7 +2053,7 @@
       </p:grpSpPr>
       <p:sp>
         <p:nvSpPr>
-          <p:cNvPr id="410" name="Google Shape;410;g96d4826e09_0_380:notes"/>
+          <p:cNvPr id="410" name="Google Shape;410;g96d4826e09_0_365:notes"/>
           <p:cNvSpPr/>
           <p:nvPr>
             <p:ph idx="2" type="sldImg"/>
@@ -2087,7 +2088,7 @@
       </p:sp>
       <p:sp>
         <p:nvSpPr>
-          <p:cNvPr id="411" name="Google Shape;411;g96d4826e09_0_380:notes"/>
+          <p:cNvPr id="411" name="Google Shape;411;g96d4826e09_0_365:notes"/>
           <p:cNvSpPr txBox="1"/>
           <p:nvPr>
             <p:ph idx="1" type="body"/>
@@ -2137,7 +2138,7 @@
   <p:cSld>
     <p:spTree>
       <p:nvGrpSpPr>
-        <p:cNvPr id="417" name="Shape 417"/>
+        <p:cNvPr id="416" name="Shape 416"/>
         <p:cNvGrpSpPr/>
         <p:nvPr/>
       </p:nvGrpSpPr>
@@ -2151,7 +2152,7 @@
       </p:grpSpPr>
       <p:sp>
         <p:nvSpPr>
-          <p:cNvPr id="418" name="Google Shape;418;g96d4826e09_0_386:notes"/>
+          <p:cNvPr id="417" name="Google Shape;417;g96d4826e09_0_380:notes"/>
           <p:cNvSpPr/>
           <p:nvPr>
             <p:ph idx="2" type="sldImg"/>
@@ -2186,7 +2187,7 @@
       </p:sp>
       <p:sp>
         <p:nvSpPr>
-          <p:cNvPr id="419" name="Google Shape;419;g96d4826e09_0_386:notes"/>
+          <p:cNvPr id="418" name="Google Shape;418;g96d4826e09_0_380:notes"/>
           <p:cNvSpPr txBox="1"/>
           <p:nvPr>
             <p:ph idx="1" type="body"/>
@@ -2250,7 +2251,7 @@
       </p:grpSpPr>
       <p:sp>
         <p:nvSpPr>
-          <p:cNvPr id="425" name="Google Shape;425;g9886f0ad6f_2_34:notes"/>
+          <p:cNvPr id="425" name="Google Shape;425;g96d4826e09_0_386:notes"/>
           <p:cNvSpPr/>
           <p:nvPr>
             <p:ph idx="2" type="sldImg"/>
@@ -2285,7 +2286,7 @@
       </p:sp>
       <p:sp>
         <p:nvSpPr>
-          <p:cNvPr id="426" name="Google Shape;426;g9886f0ad6f_2_34:notes"/>
+          <p:cNvPr id="426" name="Google Shape;426;g96d4826e09_0_386:notes"/>
           <p:cNvSpPr txBox="1"/>
           <p:nvPr>
             <p:ph idx="1" type="body"/>
@@ -2335,7 +2336,7 @@
   <p:cSld>
     <p:spTree>
       <p:nvGrpSpPr>
-        <p:cNvPr id="430" name="Shape 430"/>
+        <p:cNvPr id="431" name="Shape 431"/>
         <p:cNvGrpSpPr/>
         <p:nvPr/>
       </p:nvGrpSpPr>
@@ -2349,7 +2350,7 @@
       </p:grpSpPr>
       <p:sp>
         <p:nvSpPr>
-          <p:cNvPr id="431" name="Google Shape;431;g9886f0ad6f_2_72:notes"/>
+          <p:cNvPr id="432" name="Google Shape;432;g9886f0ad6f_2_34:notes"/>
           <p:cNvSpPr/>
           <p:nvPr>
             <p:ph idx="2" type="sldImg"/>
@@ -2384,7 +2385,7 @@
       </p:sp>
       <p:sp>
         <p:nvSpPr>
-          <p:cNvPr id="432" name="Google Shape;432;g9886f0ad6f_2_72:notes"/>
+          <p:cNvPr id="433" name="Google Shape;433;g9886f0ad6f_2_34:notes"/>
           <p:cNvSpPr txBox="1"/>
           <p:nvPr>
             <p:ph idx="1" type="body"/>
@@ -2434,7 +2435,7 @@
   <p:cSld>
     <p:spTree>
       <p:nvGrpSpPr>
-        <p:cNvPr id="436" name="Shape 436"/>
+        <p:cNvPr id="437" name="Shape 437"/>
         <p:cNvGrpSpPr/>
         <p:nvPr/>
       </p:nvGrpSpPr>
@@ -2448,7 +2449,7 @@
       </p:grpSpPr>
       <p:sp>
         <p:nvSpPr>
-          <p:cNvPr id="437" name="Google Shape;437;g9886f0ad6f_2_85:notes"/>
+          <p:cNvPr id="438" name="Google Shape;438;g9886f0ad6f_2_72:notes"/>
           <p:cNvSpPr/>
           <p:nvPr>
             <p:ph idx="2" type="sldImg"/>
@@ -2483,7 +2484,7 @@
       </p:sp>
       <p:sp>
         <p:nvSpPr>
-          <p:cNvPr id="438" name="Google Shape;438;g9886f0ad6f_2_85:notes"/>
+          <p:cNvPr id="439" name="Google Shape;439;g9886f0ad6f_2_72:notes"/>
           <p:cNvSpPr txBox="1"/>
           <p:nvPr>
             <p:ph idx="1" type="body"/>
@@ -2533,7 +2534,7 @@
   <p:cSld>
     <p:spTree>
       <p:nvGrpSpPr>
-        <p:cNvPr id="442" name="Shape 442"/>
+        <p:cNvPr id="443" name="Shape 443"/>
         <p:cNvGrpSpPr/>
         <p:nvPr/>
       </p:nvGrpSpPr>
@@ -2547,7 +2548,7 @@
       </p:grpSpPr>
       <p:sp>
         <p:nvSpPr>
-          <p:cNvPr id="443" name="Google Shape;443;g9886f0ad6f_2_39:notes"/>
+          <p:cNvPr id="444" name="Google Shape;444;g9886f0ad6f_2_85:notes"/>
           <p:cNvSpPr/>
           <p:nvPr>
             <p:ph idx="2" type="sldImg"/>
@@ -2582,7 +2583,7 @@
       </p:sp>
       <p:sp>
         <p:nvSpPr>
-          <p:cNvPr id="444" name="Google Shape;444;g9886f0ad6f_2_39:notes"/>
+          <p:cNvPr id="445" name="Google Shape;445;g9886f0ad6f_2_85:notes"/>
           <p:cNvSpPr txBox="1"/>
           <p:nvPr>
             <p:ph idx="1" type="body"/>
@@ -2632,7 +2633,7 @@
   <p:cSld>
     <p:spTree>
       <p:nvGrpSpPr>
-        <p:cNvPr id="451" name="Shape 451"/>
+        <p:cNvPr id="449" name="Shape 449"/>
         <p:cNvGrpSpPr/>
         <p:nvPr/>
       </p:nvGrpSpPr>
@@ -2646,7 +2647,7 @@
       </p:grpSpPr>
       <p:sp>
         <p:nvSpPr>
-          <p:cNvPr id="452" name="Google Shape;452;g9886f0ad6f_2_44:notes"/>
+          <p:cNvPr id="450" name="Google Shape;450;g9886f0ad6f_2_39:notes"/>
           <p:cNvSpPr/>
           <p:nvPr>
             <p:ph idx="2" type="sldImg"/>
@@ -2681,7 +2682,7 @@
       </p:sp>
       <p:sp>
         <p:nvSpPr>
-          <p:cNvPr id="453" name="Google Shape;453;g9886f0ad6f_2_44:notes"/>
+          <p:cNvPr id="451" name="Google Shape;451;g9886f0ad6f_2_39:notes"/>
           <p:cNvSpPr txBox="1"/>
           <p:nvPr>
             <p:ph idx="1" type="body"/>
@@ -2731,7 +2732,7 @@
   <p:cSld>
     <p:spTree>
       <p:nvGrpSpPr>
-        <p:cNvPr id="459" name="Shape 459"/>
+        <p:cNvPr id="458" name="Shape 458"/>
         <p:cNvGrpSpPr/>
         <p:nvPr/>
       </p:nvGrpSpPr>
@@ -2745,7 +2746,7 @@
       </p:grpSpPr>
       <p:sp>
         <p:nvSpPr>
-          <p:cNvPr id="460" name="Google Shape;460;g9886f0ad6f_2_65:notes"/>
+          <p:cNvPr id="459" name="Google Shape;459;g9886f0ad6f_2_44:notes"/>
           <p:cNvSpPr/>
           <p:nvPr>
             <p:ph idx="2" type="sldImg"/>
@@ -2780,7 +2781,7 @@
       </p:sp>
       <p:sp>
         <p:nvSpPr>
-          <p:cNvPr id="461" name="Google Shape;461;g9886f0ad6f_2_65:notes"/>
+          <p:cNvPr id="460" name="Google Shape;460;g9886f0ad6f_2_44:notes"/>
           <p:cNvSpPr txBox="1"/>
           <p:nvPr>
             <p:ph idx="1" type="body"/>
@@ -2830,7 +2831,7 @@
   <p:cSld>
     <p:spTree>
       <p:nvGrpSpPr>
-        <p:cNvPr id="467" name="Shape 467"/>
+        <p:cNvPr id="466" name="Shape 466"/>
         <p:cNvGrpSpPr/>
         <p:nvPr/>
       </p:nvGrpSpPr>
@@ -2844,7 +2845,7 @@
       </p:grpSpPr>
       <p:sp>
         <p:nvSpPr>
-          <p:cNvPr id="468" name="Google Shape;468;g9886f0ac8b_0_1:notes"/>
+          <p:cNvPr id="467" name="Google Shape;467;g9886f0ad6f_2_65:notes"/>
           <p:cNvSpPr/>
           <p:nvPr>
             <p:ph idx="2" type="sldImg"/>
@@ -2879,7 +2880,7 @@
       </p:sp>
       <p:sp>
         <p:nvSpPr>
-          <p:cNvPr id="469" name="Google Shape;469;g9886f0ac8b_0_1:notes"/>
+          <p:cNvPr id="468" name="Google Shape;468;g9886f0ad6f_2_65:notes"/>
           <p:cNvSpPr txBox="1"/>
           <p:nvPr>
             <p:ph idx="1" type="body"/>
@@ -3028,7 +3029,7 @@
   <p:cSld>
     <p:spTree>
       <p:nvGrpSpPr>
-        <p:cNvPr id="473" name="Shape 473"/>
+        <p:cNvPr id="474" name="Shape 474"/>
         <p:cNvGrpSpPr/>
         <p:nvPr/>
       </p:nvGrpSpPr>
@@ -3042,7 +3043,7 @@
       </p:grpSpPr>
       <p:sp>
         <p:nvSpPr>
-          <p:cNvPr id="474" name="Google Shape;474;g96d4826e09_0_405:notes"/>
+          <p:cNvPr id="475" name="Google Shape;475;g9886f0ac8b_0_1:notes"/>
           <p:cNvSpPr/>
           <p:nvPr>
             <p:ph idx="2" type="sldImg"/>
@@ -3077,7 +3078,106 @@
       </p:sp>
       <p:sp>
         <p:nvSpPr>
-          <p:cNvPr id="475" name="Google Shape;475;g96d4826e09_0_405:notes"/>
+          <p:cNvPr id="476" name="Google Shape;476;g9886f0ac8b_0_1:notes"/>
+          <p:cNvSpPr txBox="1"/>
+          <p:nvPr>
+            <p:ph idx="1" type="body"/>
+          </p:nvPr>
+        </p:nvSpPr>
+        <p:spPr>
+          <a:xfrm>
+            <a:off x="685800" y="4343400"/>
+            <a:ext cx="5486400" cy="4114800"/>
+          </a:xfrm>
+          <a:prstGeom prst="rect">
+            <a:avLst/>
+          </a:prstGeom>
+        </p:spPr>
+        <p:txBody>
+          <a:bodyPr anchorCtr="0" anchor="t" bIns="91425" lIns="91425" spcFirstLastPara="1" rIns="91425" wrap="square" tIns="91425">
+            <a:noAutofit/>
+          </a:bodyPr>
+          <a:lstStyle/>
+          <a:p>
+            <a:pPr indent="0" lvl="0" marL="0" rtl="0" algn="l">
+              <a:spcBef>
+                <a:spcPts val="0"/>
+              </a:spcBef>
+              <a:spcAft>
+                <a:spcPts val="0"/>
+              </a:spcAft>
+              <a:buNone/>
+            </a:pPr>
+            <a:r>
+              <a:t/>
+            </a:r>
+            <a:endParaRPr/>
+          </a:p>
+        </p:txBody>
+      </p:sp>
+    </p:spTree>
+  </p:cSld>
+  <p:clrMapOvr>
+    <a:masterClrMapping/>
+  </p:clrMapOvr>
+</p:notes>
+</file>
+
+<file path=ppt/notesSlides/notesSlide31.xml><?xml version="1.0" encoding="utf-8"?>
+<p:notes xmlns:a="http://schemas.openxmlformats.org/drawingml/2006/main" xmlns:r="http://schemas.openxmlformats.org/officeDocument/2006/relationships" xmlns:mc="http://schemas.openxmlformats.org/markup-compatibility/2006" xmlns:mv="urn:schemas-microsoft-com:mac:vml" xmlns:p="http://schemas.openxmlformats.org/presentationml/2006/main" xmlns:c="http://schemas.openxmlformats.org/drawingml/2006/chart" xmlns:dgm="http://schemas.openxmlformats.org/drawingml/2006/diagram" xmlns:o="urn:schemas-microsoft-com:office:office" xmlns:v="urn:schemas-microsoft-com:vml" xmlns:pvml="urn:schemas-microsoft-com:office:powerpoint" xmlns:com="http://schemas.openxmlformats.org/drawingml/2006/compatibility" xmlns:p14="http://schemas.microsoft.com/office/powerpoint/2010/main" xmlns:p15="http://schemas.microsoft.com/office/powerpoint/2012/main" xmlns:ahyp="http://schemas.microsoft.com/office/drawing/2018/hyperlinkcolor" showMasterPhAnim="0" showMasterSp="0">
+  <p:cSld>
+    <p:spTree>
+      <p:nvGrpSpPr>
+        <p:cNvPr id="480" name="Shape 480"/>
+        <p:cNvGrpSpPr/>
+        <p:nvPr/>
+      </p:nvGrpSpPr>
+      <p:grpSpPr>
+        <a:xfrm>
+          <a:off x="0" y="0"/>
+          <a:ext cx="0" cy="0"/>
+          <a:chOff x="0" y="0"/>
+          <a:chExt cx="0" cy="0"/>
+        </a:xfrm>
+      </p:grpSpPr>
+      <p:sp>
+        <p:nvSpPr>
+          <p:cNvPr id="481" name="Google Shape;481;g96d4826e09_0_405:notes"/>
+          <p:cNvSpPr/>
+          <p:nvPr>
+            <p:ph idx="2" type="sldImg"/>
+          </p:nvPr>
+        </p:nvSpPr>
+        <p:spPr>
+          <a:xfrm>
+            <a:off x="381300" y="685800"/>
+            <a:ext cx="6096000" cy="3429000"/>
+          </a:xfrm>
+          <a:custGeom>
+            <a:rect b="b" l="l" r="r" t="t"/>
+            <a:pathLst>
+              <a:path extrusionOk="0" h="120000" w="120000">
+                <a:moveTo>
+                  <a:pt x="0" y="0"/>
+                </a:moveTo>
+                <a:lnTo>
+                  <a:pt x="120000" y="0"/>
+                </a:lnTo>
+                <a:lnTo>
+                  <a:pt x="120000" y="120000"/>
+                </a:lnTo>
+                <a:lnTo>
+                  <a:pt x="0" y="120000"/>
+                </a:lnTo>
+                <a:close/>
+              </a:path>
+            </a:pathLst>
+          </a:custGeom>
+        </p:spPr>
+      </p:sp>
+      <p:sp>
+        <p:nvSpPr>
+          <p:cNvPr id="482" name="Google Shape;482;g96d4826e09_0_405:notes"/>
           <p:cNvSpPr txBox="1"/>
           <p:nvPr>
             <p:ph idx="1" type="body"/>
@@ -3339,7 +3439,7 @@
       </p:grpSpPr>
       <p:sp>
         <p:nvSpPr>
-          <p:cNvPr id="309" name="Google Shape;309;g96d4826e09_0_294:notes"/>
+          <p:cNvPr id="309" name="Google Shape;309;g9886f0ad6f_2_94:notes"/>
           <p:cNvSpPr/>
           <p:nvPr>
             <p:ph idx="2" type="sldImg"/>
@@ -3374,7 +3474,7 @@
       </p:sp>
       <p:sp>
         <p:nvSpPr>
-          <p:cNvPr id="310" name="Google Shape;310;g96d4826e09_0_294:notes"/>
+          <p:cNvPr id="310" name="Google Shape;310;g9886f0ad6f_2_94:notes"/>
           <p:cNvSpPr txBox="1"/>
           <p:nvPr>
             <p:ph idx="1" type="body"/>
@@ -3424,7 +3524,7 @@
   <p:cSld>
     <p:spTree>
       <p:nvGrpSpPr>
-        <p:cNvPr id="316" name="Shape 316"/>
+        <p:cNvPr id="315" name="Shape 315"/>
         <p:cNvGrpSpPr/>
         <p:nvPr/>
       </p:nvGrpSpPr>
@@ -3438,7 +3538,7 @@
       </p:grpSpPr>
       <p:sp>
         <p:nvSpPr>
-          <p:cNvPr id="317" name="Google Shape;317;g96d4826e09_0_302:notes"/>
+          <p:cNvPr id="316" name="Google Shape;316;g96d4826e09_0_294:notes"/>
           <p:cNvSpPr/>
           <p:nvPr>
             <p:ph idx="2" type="sldImg"/>
@@ -3473,7 +3573,7 @@
       </p:sp>
       <p:sp>
         <p:nvSpPr>
-          <p:cNvPr id="318" name="Google Shape;318;g96d4826e09_0_302:notes"/>
+          <p:cNvPr id="317" name="Google Shape;317;g96d4826e09_0_294:notes"/>
           <p:cNvSpPr txBox="1"/>
           <p:nvPr>
             <p:ph idx="1" type="body"/>
@@ -3523,7 +3623,7 @@
   <p:cSld>
     <p:spTree>
       <p:nvGrpSpPr>
-        <p:cNvPr id="324" name="Shape 324"/>
+        <p:cNvPr id="323" name="Shape 323"/>
         <p:cNvGrpSpPr/>
         <p:nvPr/>
       </p:nvGrpSpPr>
@@ -3537,7 +3637,7 @@
       </p:grpSpPr>
       <p:sp>
         <p:nvSpPr>
-          <p:cNvPr id="325" name="Google Shape;325;g96d4826e09_0_309:notes"/>
+          <p:cNvPr id="324" name="Google Shape;324;g96d4826e09_0_302:notes"/>
           <p:cNvSpPr/>
           <p:nvPr>
             <p:ph idx="2" type="sldImg"/>
@@ -3572,7 +3672,7 @@
       </p:sp>
       <p:sp>
         <p:nvSpPr>
-          <p:cNvPr id="326" name="Google Shape;326;g96d4826e09_0_309:notes"/>
+          <p:cNvPr id="325" name="Google Shape;325;g96d4826e09_0_302:notes"/>
           <p:cNvSpPr txBox="1"/>
           <p:nvPr>
             <p:ph idx="1" type="body"/>
@@ -3636,7 +3736,7 @@
       </p:grpSpPr>
       <p:sp>
         <p:nvSpPr>
-          <p:cNvPr id="332" name="Google Shape;332;g96d4826e09_0_315:notes"/>
+          <p:cNvPr id="332" name="Google Shape;332;g96d4826e09_0_309:notes"/>
           <p:cNvSpPr/>
           <p:nvPr>
             <p:ph idx="2" type="sldImg"/>
@@ -3671,7 +3771,7 @@
       </p:sp>
       <p:sp>
         <p:nvSpPr>
-          <p:cNvPr id="333" name="Google Shape;333;g96d4826e09_0_315:notes"/>
+          <p:cNvPr id="333" name="Google Shape;333;g96d4826e09_0_309:notes"/>
           <p:cNvSpPr txBox="1"/>
           <p:nvPr>
             <p:ph idx="1" type="body"/>
@@ -18261,20 +18361,18 @@
         <p:nvSpPr>
           <p:cNvPr id="342" name="Google Shape;342;p22"/>
           <p:cNvSpPr txBox="1"/>
-          <p:nvPr/>
+          <p:nvPr>
+            <p:ph type="title"/>
+          </p:nvPr>
         </p:nvSpPr>
         <p:spPr>
           <a:xfrm>
-            <a:off x="2119225" y="224350"/>
-            <a:ext cx="5224200" cy="711900"/>
+            <a:off x="1056750" y="119325"/>
+            <a:ext cx="7030500" cy="590700"/>
           </a:xfrm>
           <a:prstGeom prst="rect">
             <a:avLst/>
           </a:prstGeom>
-          <a:noFill/>
-          <a:ln>
-            <a:noFill/>
-          </a:ln>
         </p:spPr>
         <p:txBody>
           <a:bodyPr anchorCtr="0" anchor="t" bIns="91425" lIns="91425" spcFirstLastPara="1" rIns="91425" wrap="square" tIns="91425">
@@ -18292,19 +18390,17 @@
               <a:buNone/>
             </a:pPr>
             <a:r>
-              <a:rPr b="1" lang="en" sz="2800">
-                <a:latin typeface="Maven Pro"/>
-                <a:ea typeface="Maven Pro"/>
-                <a:cs typeface="Maven Pro"/>
-                <a:sym typeface="Maven Pro"/>
+              <a:rPr lang="en">
+                <a:solidFill>
+                  <a:srgbClr val="000000"/>
+                </a:solidFill>
               </a:rPr>
-              <a:t>Deletion of records</a:t>
+              <a:t>Updating records</a:t>
             </a:r>
-            <a:endParaRPr sz="2500">
-              <a:latin typeface="Nunito"/>
-              <a:ea typeface="Nunito"/>
-              <a:cs typeface="Nunito"/>
-              <a:sym typeface="Nunito"/>
+            <a:endParaRPr>
+              <a:solidFill>
+                <a:srgbClr val="000000"/>
+              </a:solidFill>
             </a:endParaRPr>
           </a:p>
         </p:txBody>
@@ -18325,8 +18421,8 @@
         </p:blipFill>
         <p:spPr>
           <a:xfrm>
-            <a:off x="310900" y="1444625"/>
-            <a:ext cx="8522200" cy="3604875"/>
+            <a:off x="668375" y="1832710"/>
+            <a:ext cx="7849125" cy="3251790"/>
           </a:xfrm>
           <a:prstGeom prst="rect">
             <a:avLst/>
@@ -18345,8 +18441,8 @@
         </p:nvSpPr>
         <p:spPr>
           <a:xfrm>
-            <a:off x="227550" y="859500"/>
-            <a:ext cx="8688900" cy="645900"/>
+            <a:off x="322300" y="752050"/>
+            <a:ext cx="8541300" cy="1080600"/>
           </a:xfrm>
           <a:prstGeom prst="rect">
             <a:avLst/>
@@ -18373,9 +18469,9 @@
             </a:pPr>
             <a:r>
               <a:rPr b="1" lang="en" sz="1600"/>
-              <a:t>We also use the delete operation to delete one or many documents at a time. Two functions namely ‘delete_one()’ and ‘delete_many()’ are used to do so</a:t>
+              <a:t>We can update the specific attributes/values in the documents by running the ‘update_one()’ and ‘update_many()’ functions. Both functions take two parameters, one for finding the document from specific parameters and other for setting new values for the attribute in that document</a:t>
             </a:r>
-            <a:endParaRPr b="1" sz="2300"/>
+            <a:endParaRPr b="1" sz="1900"/>
           </a:p>
         </p:txBody>
       </p:sp>
@@ -18408,18 +18504,20 @@
         <p:nvSpPr>
           <p:cNvPr id="349" name="Google Shape;349;p23"/>
           <p:cNvSpPr txBox="1"/>
-          <p:nvPr>
-            <p:ph type="title"/>
-          </p:nvPr>
+          <p:nvPr/>
         </p:nvSpPr>
         <p:spPr>
           <a:xfrm>
-            <a:off x="1196450" y="82950"/>
-            <a:ext cx="7030500" cy="724200"/>
+            <a:off x="2119225" y="224350"/>
+            <a:ext cx="5224200" cy="711900"/>
           </a:xfrm>
           <a:prstGeom prst="rect">
             <a:avLst/>
           </a:prstGeom>
+          <a:noFill/>
+          <a:ln>
+            <a:noFill/>
+          </a:ln>
         </p:spPr>
         <p:txBody>
           <a:bodyPr anchorCtr="0" anchor="t" bIns="91425" lIns="91425" spcFirstLastPara="1" rIns="91425" wrap="square" tIns="91425">
@@ -18437,17 +18535,19 @@
               <a:buNone/>
             </a:pPr>
             <a:r>
-              <a:rPr lang="en">
-                <a:solidFill>
-                  <a:srgbClr val="000000"/>
-                </a:solidFill>
+              <a:rPr b="1" lang="en" sz="2800">
+                <a:latin typeface="Maven Pro"/>
+                <a:ea typeface="Maven Pro"/>
+                <a:cs typeface="Maven Pro"/>
+                <a:sym typeface="Maven Pro"/>
               </a:rPr>
-              <a:t>Query retrieval</a:t>
+              <a:t>Deletion of records</a:t>
             </a:r>
-            <a:endParaRPr>
-              <a:solidFill>
-                <a:srgbClr val="000000"/>
-              </a:solidFill>
+            <a:endParaRPr sz="2500">
+              <a:latin typeface="Nunito"/>
+              <a:ea typeface="Nunito"/>
+              <a:cs typeface="Nunito"/>
+              <a:sym typeface="Nunito"/>
             </a:endParaRPr>
           </a:p>
         </p:txBody>
@@ -18468,8 +18568,8 @@
         </p:blipFill>
         <p:spPr>
           <a:xfrm>
-            <a:off x="915925" y="1704550"/>
-            <a:ext cx="7101299" cy="3361651"/>
+            <a:off x="310900" y="1444625"/>
+            <a:ext cx="8522200" cy="3604875"/>
           </a:xfrm>
           <a:prstGeom prst="rect">
             <a:avLst/>
@@ -18488,8 +18588,8 @@
         </p:nvSpPr>
         <p:spPr>
           <a:xfrm>
-            <a:off x="792350" y="674775"/>
-            <a:ext cx="7434600" cy="1105500"/>
+            <a:off x="227550" y="859500"/>
+            <a:ext cx="8688900" cy="645900"/>
           </a:xfrm>
           <a:prstGeom prst="rect">
             <a:avLst/>
@@ -18515,18 +18615,10 @@
               <a:buNone/>
             </a:pPr>
             <a:r>
-              <a:rPr b="1" lang="en" sz="1800"/>
-              <a:t>Query </a:t>
+              <a:rPr b="1" lang="en" sz="1600"/>
+              <a:t>We also use the delete operation to delete one or many documents at a time. Two functions namely ‘delete_one()’ and ‘delete_many()’ are used to do so</a:t>
             </a:r>
-            <a:r>
-              <a:rPr b="1" lang="en" sz="1800"/>
-              <a:t>Retrieval</a:t>
-            </a:r>
-            <a:r>
-              <a:rPr b="1" lang="en" sz="1800"/>
-              <a:t> is the process of finding data in the database using complex queries that specify parameters according to the question asked by user. These queries then returns the data.</a:t>
-            </a:r>
-            <a:endParaRPr b="1" sz="2000"/>
+            <a:endParaRPr b="1" sz="2300"/>
           </a:p>
         </p:txBody>
       </p:sp>
@@ -18565,8 +18657,8 @@
         </p:nvSpPr>
         <p:spPr>
           <a:xfrm>
-            <a:off x="1196375" y="155400"/>
-            <a:ext cx="7030500" cy="999300"/>
+            <a:off x="1196450" y="82950"/>
+            <a:ext cx="7030500" cy="724200"/>
           </a:xfrm>
           <a:prstGeom prst="rect">
             <a:avLst/>
@@ -18593,7 +18685,7 @@
                   <a:srgbClr val="000000"/>
                 </a:solidFill>
               </a:rPr>
-              <a:t>Aggregation pipeline method</a:t>
+              <a:t>Query retrieval</a:t>
             </a:r>
             <a:endParaRPr>
               <a:solidFill>
@@ -18609,17 +18701,18 @@
           <p:cNvPicPr preferRelativeResize="0"/>
           <p:nvPr/>
         </p:nvPicPr>
-        <p:blipFill rotWithShape="1">
+        <p:blipFill>
           <a:blip r:embed="rId3">
             <a:alphaModFix/>
           </a:blip>
-          <a:srcRect b="50074" l="0" r="0" t="0"/>
-          <a:stretch/>
+          <a:stretch>
+            <a:fillRect/>
+          </a:stretch>
         </p:blipFill>
         <p:spPr>
           <a:xfrm>
-            <a:off x="487138" y="2671975"/>
-            <a:ext cx="8169725" cy="2096575"/>
+            <a:off x="915925" y="1704550"/>
+            <a:ext cx="7101299" cy="3361651"/>
           </a:xfrm>
           <a:prstGeom prst="rect">
             <a:avLst/>
@@ -18638,8 +18731,8 @@
         </p:nvSpPr>
         <p:spPr>
           <a:xfrm>
-            <a:off x="1114650" y="792350"/>
-            <a:ext cx="6983400" cy="1779300"/>
+            <a:off x="792350" y="674775"/>
+            <a:ext cx="7434600" cy="1105500"/>
           </a:xfrm>
           <a:prstGeom prst="rect">
             <a:avLst/>
@@ -18665,34 +18758,18 @@
               <a:buNone/>
             </a:pPr>
             <a:r>
-              <a:rPr b="1" lang="en" sz="1600"/>
-              <a:t>Aggregation pipeline is a type of query </a:t>
+              <a:rPr b="1" lang="en" sz="1800"/>
+              <a:t>Query </a:t>
             </a:r>
             <a:r>
-              <a:rPr b="1" lang="en" sz="1600"/>
-              <a:t>retrieval</a:t>
+              <a:rPr b="1" lang="en" sz="1800"/>
+              <a:t>Retrieval</a:t>
             </a:r>
             <a:r>
-              <a:rPr b="1" lang="en" sz="1600"/>
-              <a:t> process that uses complex MongoDB functions to get specific data from the dataset. The pipeline is a linear link of functions where input to each function from start is the output of the next function.</a:t>
+              <a:rPr b="1" lang="en" sz="1800"/>
+              <a:t> is the process of finding data in the database using complex queries that specify parameters according to the question asked by user. These queries then returns the data.</a:t>
             </a:r>
-            <a:endParaRPr b="1" sz="1600"/>
-          </a:p>
-          <a:p>
-            <a:pPr indent="0" lvl="0" marL="0" rtl="0" algn="l">
-              <a:spcBef>
-                <a:spcPts val="0"/>
-              </a:spcBef>
-              <a:spcAft>
-                <a:spcPts val="0"/>
-              </a:spcAft>
-              <a:buNone/>
-            </a:pPr>
-            <a:r>
-              <a:rPr b="1" lang="en" sz="1600"/>
-              <a:t>This method uses many functions like $match, $project, $sort, $group, etc.</a:t>
-            </a:r>
-            <a:endParaRPr b="1" sz="1600"/>
+            <a:endParaRPr b="1" sz="2000"/>
           </a:p>
         </p:txBody>
       </p:sp>
@@ -18721,9 +18798,175 @@
           <a:chExt cx="0" cy="0"/>
         </a:xfrm>
       </p:grpSpPr>
+      <p:sp>
+        <p:nvSpPr>
+          <p:cNvPr id="363" name="Google Shape;363;p25"/>
+          <p:cNvSpPr txBox="1"/>
+          <p:nvPr>
+            <p:ph type="title"/>
+          </p:nvPr>
+        </p:nvSpPr>
+        <p:spPr>
+          <a:xfrm>
+            <a:off x="1196375" y="155400"/>
+            <a:ext cx="7030500" cy="999300"/>
+          </a:xfrm>
+          <a:prstGeom prst="rect">
+            <a:avLst/>
+          </a:prstGeom>
+        </p:spPr>
+        <p:txBody>
+          <a:bodyPr anchorCtr="0" anchor="t" bIns="91425" lIns="91425" spcFirstLastPara="1" rIns="91425" wrap="square" tIns="91425">
+            <a:noAutofit/>
+          </a:bodyPr>
+          <a:lstStyle/>
+          <a:p>
+            <a:pPr indent="0" lvl="0" marL="0" rtl="0" algn="ctr">
+              <a:spcBef>
+                <a:spcPts val="0"/>
+              </a:spcBef>
+              <a:spcAft>
+                <a:spcPts val="0"/>
+              </a:spcAft>
+              <a:buNone/>
+            </a:pPr>
+            <a:r>
+              <a:rPr lang="en">
+                <a:solidFill>
+                  <a:srgbClr val="000000"/>
+                </a:solidFill>
+              </a:rPr>
+              <a:t>Aggregation pipeline method</a:t>
+            </a:r>
+            <a:endParaRPr>
+              <a:solidFill>
+                <a:srgbClr val="000000"/>
+              </a:solidFill>
+            </a:endParaRPr>
+          </a:p>
+        </p:txBody>
+      </p:sp>
       <p:pic>
         <p:nvPicPr>
-          <p:cNvPr id="363" name="Google Shape;363;p25"/>
+          <p:cNvPr id="364" name="Google Shape;364;p25"/>
+          <p:cNvPicPr preferRelativeResize="0"/>
+          <p:nvPr/>
+        </p:nvPicPr>
+        <p:blipFill rotWithShape="1">
+          <a:blip r:embed="rId3">
+            <a:alphaModFix/>
+          </a:blip>
+          <a:srcRect b="50074" l="0" r="0" t="0"/>
+          <a:stretch/>
+        </p:blipFill>
+        <p:spPr>
+          <a:xfrm>
+            <a:off x="487138" y="2671975"/>
+            <a:ext cx="8169725" cy="2096575"/>
+          </a:xfrm>
+          <a:prstGeom prst="rect">
+            <a:avLst/>
+          </a:prstGeom>
+          <a:noFill/>
+          <a:ln>
+            <a:noFill/>
+          </a:ln>
+        </p:spPr>
+      </p:pic>
+      <p:sp>
+        <p:nvSpPr>
+          <p:cNvPr id="365" name="Google Shape;365;p25"/>
+          <p:cNvSpPr txBox="1"/>
+          <p:nvPr/>
+        </p:nvSpPr>
+        <p:spPr>
+          <a:xfrm>
+            <a:off x="1114650" y="792350"/>
+            <a:ext cx="6983400" cy="1779300"/>
+          </a:xfrm>
+          <a:prstGeom prst="rect">
+            <a:avLst/>
+          </a:prstGeom>
+          <a:noFill/>
+          <a:ln>
+            <a:noFill/>
+          </a:ln>
+        </p:spPr>
+        <p:txBody>
+          <a:bodyPr anchorCtr="0" anchor="t" bIns="91425" lIns="91425" spcFirstLastPara="1" rIns="91425" wrap="square" tIns="91425">
+            <a:noAutofit/>
+          </a:bodyPr>
+          <a:lstStyle/>
+          <a:p>
+            <a:pPr indent="0" lvl="0" marL="0" rtl="0" algn="l">
+              <a:spcBef>
+                <a:spcPts val="0"/>
+              </a:spcBef>
+              <a:spcAft>
+                <a:spcPts val="0"/>
+              </a:spcAft>
+              <a:buNone/>
+            </a:pPr>
+            <a:r>
+              <a:rPr b="1" lang="en" sz="1600"/>
+              <a:t>Aggregation pipeline is a type of query </a:t>
+            </a:r>
+            <a:r>
+              <a:rPr b="1" lang="en" sz="1600"/>
+              <a:t>retrieval</a:t>
+            </a:r>
+            <a:r>
+              <a:rPr b="1" lang="en" sz="1600"/>
+              <a:t> process that uses complex MongoDB functions to get specific data from the dataset. The pipeline is a linear link of functions where input to each function from start is the output of the next function.</a:t>
+            </a:r>
+            <a:endParaRPr b="1" sz="1600"/>
+          </a:p>
+          <a:p>
+            <a:pPr indent="0" lvl="0" marL="0" rtl="0" algn="l">
+              <a:spcBef>
+                <a:spcPts val="0"/>
+              </a:spcBef>
+              <a:spcAft>
+                <a:spcPts val="0"/>
+              </a:spcAft>
+              <a:buNone/>
+            </a:pPr>
+            <a:r>
+              <a:rPr b="1" lang="en" sz="1600"/>
+              <a:t>This method uses many functions like $match, $project, $sort, $group, etc.</a:t>
+            </a:r>
+            <a:endParaRPr b="1" sz="1600"/>
+          </a:p>
+        </p:txBody>
+      </p:sp>
+    </p:spTree>
+  </p:cSld>
+  <p:clrMapOvr>
+    <a:masterClrMapping/>
+  </p:clrMapOvr>
+</p:sld>
+</file>
+
+<file path=ppt/slides/slide14.xml><?xml version="1.0" encoding="utf-8"?>
+<p:sld xmlns:a="http://schemas.openxmlformats.org/drawingml/2006/main" xmlns:r="http://schemas.openxmlformats.org/officeDocument/2006/relationships" xmlns:mc="http://schemas.openxmlformats.org/markup-compatibility/2006" xmlns:mv="urn:schemas-microsoft-com:mac:vml" xmlns:p="http://schemas.openxmlformats.org/presentationml/2006/main" xmlns:c="http://schemas.openxmlformats.org/drawingml/2006/chart" xmlns:dgm="http://schemas.openxmlformats.org/drawingml/2006/diagram" xmlns:o="urn:schemas-microsoft-com:office:office" xmlns:v="urn:schemas-microsoft-com:vml" xmlns:pvml="urn:schemas-microsoft-com:office:powerpoint" xmlns:com="http://schemas.openxmlformats.org/drawingml/2006/compatibility" xmlns:p14="http://schemas.microsoft.com/office/powerpoint/2010/main" xmlns:p15="http://schemas.microsoft.com/office/powerpoint/2012/main" xmlns:ahyp="http://schemas.microsoft.com/office/drawing/2018/hyperlinkcolor">
+  <p:cSld>
+    <p:spTree>
+      <p:nvGrpSpPr>
+        <p:cNvPr id="369" name="Shape 369"/>
+        <p:cNvGrpSpPr/>
+        <p:nvPr/>
+      </p:nvGrpSpPr>
+      <p:grpSpPr>
+        <a:xfrm>
+          <a:off x="0" y="0"/>
+          <a:ext cx="0" cy="0"/>
+          <a:chOff x="0" y="0"/>
+          <a:chExt cx="0" cy="0"/>
+        </a:xfrm>
+      </p:grpSpPr>
+      <p:pic>
+        <p:nvPicPr>
+          <p:cNvPr id="370" name="Google Shape;370;p26"/>
           <p:cNvPicPr preferRelativeResize="0"/>
           <p:nvPr/>
         </p:nvPicPr>
@@ -18751,7 +18994,7 @@
       </p:pic>
       <p:sp>
         <p:nvSpPr>
-          <p:cNvPr id="364" name="Google Shape;364;p25"/>
+          <p:cNvPr id="371" name="Google Shape;371;p26"/>
           <p:cNvSpPr txBox="1"/>
           <p:nvPr/>
         </p:nvSpPr>
@@ -18848,12 +19091,12 @@
 </p:sld>
 </file>
 
-<file path=ppt/slides/slide14.xml><?xml version="1.0" encoding="utf-8"?>
+<file path=ppt/slides/slide15.xml><?xml version="1.0" encoding="utf-8"?>
 <p:sld xmlns:a="http://schemas.openxmlformats.org/drawingml/2006/main" xmlns:r="http://schemas.openxmlformats.org/officeDocument/2006/relationships" xmlns:mc="http://schemas.openxmlformats.org/markup-compatibility/2006" xmlns:mv="urn:schemas-microsoft-com:mac:vml" xmlns:p="http://schemas.openxmlformats.org/presentationml/2006/main" xmlns:c="http://schemas.openxmlformats.org/drawingml/2006/chart" xmlns:dgm="http://schemas.openxmlformats.org/drawingml/2006/diagram" xmlns:o="urn:schemas-microsoft-com:office:office" xmlns:v="urn:schemas-microsoft-com:vml" xmlns:pvml="urn:schemas-microsoft-com:office:powerpoint" xmlns:com="http://schemas.openxmlformats.org/drawingml/2006/compatibility" xmlns:p14="http://schemas.microsoft.com/office/powerpoint/2010/main" xmlns:p15="http://schemas.microsoft.com/office/powerpoint/2012/main" xmlns:ahyp="http://schemas.microsoft.com/office/drawing/2018/hyperlinkcolor">
   <p:cSld>
     <p:spTree>
       <p:nvGrpSpPr>
-        <p:cNvPr id="368" name="Shape 368"/>
+        <p:cNvPr id="375" name="Shape 375"/>
         <p:cNvGrpSpPr/>
         <p:nvPr/>
       </p:nvGrpSpPr>
@@ -18867,7 +19110,7 @@
       </p:grpSpPr>
       <p:pic>
         <p:nvPicPr>
-          <p:cNvPr id="369" name="Google Shape;369;p26"/>
+          <p:cNvPr id="376" name="Google Shape;376;p27"/>
           <p:cNvPicPr preferRelativeResize="0"/>
           <p:nvPr/>
         </p:nvPicPr>
@@ -18895,7 +19138,7 @@
       </p:pic>
       <p:sp>
         <p:nvSpPr>
-          <p:cNvPr id="370" name="Google Shape;370;p26"/>
+          <p:cNvPr id="377" name="Google Shape;377;p27"/>
           <p:cNvSpPr txBox="1"/>
           <p:nvPr/>
         </p:nvSpPr>
@@ -19012,12 +19255,12 @@
 </p:sld>
 </file>
 
-<file path=ppt/slides/slide15.xml><?xml version="1.0" encoding="utf-8"?>
+<file path=ppt/slides/slide16.xml><?xml version="1.0" encoding="utf-8"?>
 <p:sld xmlns:a="http://schemas.openxmlformats.org/drawingml/2006/main" xmlns:r="http://schemas.openxmlformats.org/officeDocument/2006/relationships" xmlns:mc="http://schemas.openxmlformats.org/markup-compatibility/2006" xmlns:mv="urn:schemas-microsoft-com:mac:vml" xmlns:p="http://schemas.openxmlformats.org/presentationml/2006/main" xmlns:c="http://schemas.openxmlformats.org/drawingml/2006/chart" xmlns:dgm="http://schemas.openxmlformats.org/drawingml/2006/diagram" xmlns:o="urn:schemas-microsoft-com:office:office" xmlns:v="urn:schemas-microsoft-com:vml" xmlns:pvml="urn:schemas-microsoft-com:office:powerpoint" xmlns:com="http://schemas.openxmlformats.org/drawingml/2006/compatibility" xmlns:p14="http://schemas.microsoft.com/office/powerpoint/2010/main" xmlns:p15="http://schemas.microsoft.com/office/powerpoint/2012/main" xmlns:ahyp="http://schemas.microsoft.com/office/drawing/2018/hyperlinkcolor">
   <p:cSld>
     <p:spTree>
       <p:nvGrpSpPr>
-        <p:cNvPr id="374" name="Shape 374"/>
+        <p:cNvPr id="381" name="Shape 381"/>
         <p:cNvGrpSpPr/>
         <p:nvPr/>
       </p:nvGrpSpPr>
@@ -19031,7 +19274,7 @@
       </p:grpSpPr>
       <p:sp>
         <p:nvSpPr>
-          <p:cNvPr id="375" name="Google Shape;375;p27"/>
+          <p:cNvPr id="382" name="Google Shape;382;p28"/>
           <p:cNvSpPr txBox="1"/>
           <p:nvPr>
             <p:ph idx="1" type="body"/>
@@ -19087,7 +19330,7 @@
       </p:sp>
       <p:pic>
         <p:nvPicPr>
-          <p:cNvPr id="376" name="Google Shape;376;p27"/>
+          <p:cNvPr id="383" name="Google Shape;383;p28"/>
           <p:cNvPicPr preferRelativeResize="0"/>
           <p:nvPr/>
         </p:nvPicPr>
@@ -19121,12 +19364,12 @@
 </p:sld>
 </file>
 
-<file path=ppt/slides/slide16.xml><?xml version="1.0" encoding="utf-8"?>
+<file path=ppt/slides/slide17.xml><?xml version="1.0" encoding="utf-8"?>
 <p:sld xmlns:a="http://schemas.openxmlformats.org/drawingml/2006/main" xmlns:r="http://schemas.openxmlformats.org/officeDocument/2006/relationships" xmlns:mc="http://schemas.openxmlformats.org/markup-compatibility/2006" xmlns:mv="urn:schemas-microsoft-com:mac:vml" xmlns:p="http://schemas.openxmlformats.org/presentationml/2006/main" xmlns:c="http://schemas.openxmlformats.org/drawingml/2006/chart" xmlns:dgm="http://schemas.openxmlformats.org/drawingml/2006/diagram" xmlns:o="urn:schemas-microsoft-com:office:office" xmlns:v="urn:schemas-microsoft-com:vml" xmlns:pvml="urn:schemas-microsoft-com:office:powerpoint" xmlns:com="http://schemas.openxmlformats.org/drawingml/2006/compatibility" xmlns:p14="http://schemas.microsoft.com/office/powerpoint/2010/main" xmlns:p15="http://schemas.microsoft.com/office/powerpoint/2012/main" xmlns:ahyp="http://schemas.microsoft.com/office/drawing/2018/hyperlinkcolor">
   <p:cSld>
     <p:spTree>
       <p:nvGrpSpPr>
-        <p:cNvPr id="380" name="Shape 380"/>
+        <p:cNvPr id="387" name="Shape 387"/>
         <p:cNvGrpSpPr/>
         <p:nvPr/>
       </p:nvGrpSpPr>
@@ -19140,7 +19383,7 @@
       </p:grpSpPr>
       <p:sp>
         <p:nvSpPr>
-          <p:cNvPr id="381" name="Google Shape;381;p28"/>
+          <p:cNvPr id="388" name="Google Shape;388;p29"/>
           <p:cNvSpPr txBox="1"/>
           <p:nvPr>
             <p:ph type="title"/>
@@ -19188,7 +19431,7 @@
       </p:sp>
       <p:pic>
         <p:nvPicPr>
-          <p:cNvPr id="382" name="Google Shape;382;p28"/>
+          <p:cNvPr id="389" name="Google Shape;389;p29"/>
           <p:cNvPicPr preferRelativeResize="0"/>
           <p:nvPr/>
         </p:nvPicPr>
@@ -19216,7 +19459,7 @@
       </p:pic>
       <p:sp>
         <p:nvSpPr>
-          <p:cNvPr id="383" name="Google Shape;383;p28"/>
+          <p:cNvPr id="390" name="Google Shape;390;p29"/>
           <p:cNvSpPr txBox="1"/>
           <p:nvPr/>
         </p:nvSpPr>
@@ -19269,12 +19512,12 @@
 </p:sld>
 </file>
 
-<file path=ppt/slides/slide17.xml><?xml version="1.0" encoding="utf-8"?>
+<file path=ppt/slides/slide18.xml><?xml version="1.0" encoding="utf-8"?>
 <p:sld xmlns:a="http://schemas.openxmlformats.org/drawingml/2006/main" xmlns:r="http://schemas.openxmlformats.org/officeDocument/2006/relationships" xmlns:mc="http://schemas.openxmlformats.org/markup-compatibility/2006" xmlns:mv="urn:schemas-microsoft-com:mac:vml" xmlns:p="http://schemas.openxmlformats.org/presentationml/2006/main" xmlns:c="http://schemas.openxmlformats.org/drawingml/2006/chart" xmlns:dgm="http://schemas.openxmlformats.org/drawingml/2006/diagram" xmlns:o="urn:schemas-microsoft-com:office:office" xmlns:v="urn:schemas-microsoft-com:vml" xmlns:pvml="urn:schemas-microsoft-com:office:powerpoint" xmlns:com="http://schemas.openxmlformats.org/drawingml/2006/compatibility" xmlns:p14="http://schemas.microsoft.com/office/powerpoint/2010/main" xmlns:p15="http://schemas.microsoft.com/office/powerpoint/2012/main" xmlns:ahyp="http://schemas.microsoft.com/office/drawing/2018/hyperlinkcolor">
   <p:cSld>
     <p:spTree>
       <p:nvGrpSpPr>
-        <p:cNvPr id="387" name="Shape 387"/>
+        <p:cNvPr id="394" name="Shape 394"/>
         <p:cNvGrpSpPr/>
         <p:nvPr/>
       </p:nvGrpSpPr>
@@ -19288,7 +19531,7 @@
       </p:grpSpPr>
       <p:pic>
         <p:nvPicPr>
-          <p:cNvPr id="388" name="Google Shape;388;p29"/>
+          <p:cNvPr id="395" name="Google Shape;395;p30"/>
           <p:cNvPicPr preferRelativeResize="0"/>
           <p:nvPr/>
         </p:nvPicPr>
@@ -19316,7 +19559,7 @@
       </p:pic>
       <p:sp>
         <p:nvSpPr>
-          <p:cNvPr id="389" name="Google Shape;389;p29"/>
+          <p:cNvPr id="396" name="Google Shape;396;p30"/>
           <p:cNvSpPr txBox="1"/>
           <p:nvPr/>
         </p:nvSpPr>
@@ -19380,12 +19623,12 @@
 </p:sld>
 </file>
 
-<file path=ppt/slides/slide18.xml><?xml version="1.0" encoding="utf-8"?>
+<file path=ppt/slides/slide19.xml><?xml version="1.0" encoding="utf-8"?>
 <p:sld xmlns:a="http://schemas.openxmlformats.org/drawingml/2006/main" xmlns:r="http://schemas.openxmlformats.org/officeDocument/2006/relationships" xmlns:mc="http://schemas.openxmlformats.org/markup-compatibility/2006" xmlns:mv="urn:schemas-microsoft-com:mac:vml" xmlns:p="http://schemas.openxmlformats.org/presentationml/2006/main" xmlns:c="http://schemas.openxmlformats.org/drawingml/2006/chart" xmlns:dgm="http://schemas.openxmlformats.org/drawingml/2006/diagram" xmlns:o="urn:schemas-microsoft-com:office:office" xmlns:v="urn:schemas-microsoft-com:vml" xmlns:pvml="urn:schemas-microsoft-com:office:powerpoint" xmlns:com="http://schemas.openxmlformats.org/drawingml/2006/compatibility" xmlns:p14="http://schemas.microsoft.com/office/powerpoint/2010/main" xmlns:p15="http://schemas.microsoft.com/office/powerpoint/2012/main" xmlns:ahyp="http://schemas.microsoft.com/office/drawing/2018/hyperlinkcolor">
   <p:cSld>
     <p:spTree>
       <p:nvGrpSpPr>
-        <p:cNvPr id="393" name="Shape 393"/>
+        <p:cNvPr id="400" name="Shape 400"/>
         <p:cNvGrpSpPr/>
         <p:nvPr/>
       </p:nvGrpSpPr>
@@ -19399,7 +19642,7 @@
       </p:grpSpPr>
       <p:pic>
         <p:nvPicPr>
-          <p:cNvPr id="394" name="Google Shape;394;p30"/>
+          <p:cNvPr id="401" name="Google Shape;401;p31"/>
           <p:cNvPicPr preferRelativeResize="0"/>
           <p:nvPr/>
         </p:nvPicPr>
@@ -19427,7 +19670,7 @@
       </p:pic>
       <p:sp>
         <p:nvSpPr>
-          <p:cNvPr id="395" name="Google Shape;395;p30"/>
+          <p:cNvPr id="402" name="Google Shape;402;p31"/>
           <p:cNvSpPr txBox="1"/>
           <p:nvPr/>
         </p:nvSpPr>
@@ -19464,270 +19707,6 @@
               <a:t>The Map_Reduce technique is split into two parts: the map function is used to split the data and assign it in ‘n’ different parts. The reduce function performs the query on those ‘n’ different parts and returns the result.</a:t>
             </a:r>
             <a:endParaRPr b="1" sz="1500"/>
-          </a:p>
-        </p:txBody>
-      </p:sp>
-    </p:spTree>
-  </p:cSld>
-  <p:clrMapOvr>
-    <a:masterClrMapping/>
-  </p:clrMapOvr>
-</p:sld>
-</file>
-
-<file path=ppt/slides/slide19.xml><?xml version="1.0" encoding="utf-8"?>
-<p:sld xmlns:a="http://schemas.openxmlformats.org/drawingml/2006/main" xmlns:r="http://schemas.openxmlformats.org/officeDocument/2006/relationships" xmlns:mc="http://schemas.openxmlformats.org/markup-compatibility/2006" xmlns:mv="urn:schemas-microsoft-com:mac:vml" xmlns:p="http://schemas.openxmlformats.org/presentationml/2006/main" xmlns:c="http://schemas.openxmlformats.org/drawingml/2006/chart" xmlns:dgm="http://schemas.openxmlformats.org/drawingml/2006/diagram" xmlns:o="urn:schemas-microsoft-com:office:office" xmlns:v="urn:schemas-microsoft-com:vml" xmlns:pvml="urn:schemas-microsoft-com:office:powerpoint" xmlns:com="http://schemas.openxmlformats.org/drawingml/2006/compatibility" xmlns:p14="http://schemas.microsoft.com/office/powerpoint/2010/main" xmlns:p15="http://schemas.microsoft.com/office/powerpoint/2012/main" xmlns:ahyp="http://schemas.microsoft.com/office/drawing/2018/hyperlinkcolor">
-  <p:cSld>
-    <p:spTree>
-      <p:nvGrpSpPr>
-        <p:cNvPr id="399" name="Shape 399"/>
-        <p:cNvGrpSpPr/>
-        <p:nvPr/>
-      </p:nvGrpSpPr>
-      <p:grpSpPr>
-        <a:xfrm>
-          <a:off x="0" y="0"/>
-          <a:ext cx="0" cy="0"/>
-          <a:chOff x="0" y="0"/>
-          <a:chExt cx="0" cy="0"/>
-        </a:xfrm>
-      </p:grpSpPr>
-      <p:sp>
-        <p:nvSpPr>
-          <p:cNvPr id="400" name="Google Shape;400;p31"/>
-          <p:cNvSpPr txBox="1"/>
-          <p:nvPr>
-            <p:ph type="title"/>
-          </p:nvPr>
-        </p:nvSpPr>
-        <p:spPr>
-          <a:xfrm>
-            <a:off x="1303800" y="263700"/>
-            <a:ext cx="7030500" cy="999300"/>
-          </a:xfrm>
-          <a:prstGeom prst="rect">
-            <a:avLst/>
-          </a:prstGeom>
-        </p:spPr>
-        <p:txBody>
-          <a:bodyPr anchorCtr="0" anchor="t" bIns="91425" lIns="91425" spcFirstLastPara="1" rIns="91425" wrap="square" tIns="91425">
-            <a:noAutofit/>
-          </a:bodyPr>
-          <a:lstStyle/>
-          <a:p>
-            <a:pPr indent="0" lvl="0" marL="0" rtl="0" algn="l">
-              <a:spcBef>
-                <a:spcPts val="0"/>
-              </a:spcBef>
-              <a:spcAft>
-                <a:spcPts val="0"/>
-              </a:spcAft>
-              <a:buNone/>
-            </a:pPr>
-            <a:r>
-              <a:rPr lang="en">
-                <a:solidFill>
-                  <a:srgbClr val="000000"/>
-                </a:solidFill>
-              </a:rPr>
-              <a:t>Machine Learning</a:t>
-            </a:r>
-            <a:endParaRPr>
-              <a:solidFill>
-                <a:srgbClr val="000000"/>
-              </a:solidFill>
-            </a:endParaRPr>
-          </a:p>
-        </p:txBody>
-      </p:sp>
-      <p:sp>
-        <p:nvSpPr>
-          <p:cNvPr id="401" name="Google Shape;401;p31"/>
-          <p:cNvSpPr txBox="1"/>
-          <p:nvPr>
-            <p:ph idx="1" type="body"/>
-          </p:nvPr>
-        </p:nvSpPr>
-        <p:spPr>
-          <a:xfrm>
-            <a:off x="1056750" y="1423300"/>
-            <a:ext cx="7030500" cy="2541600"/>
-          </a:xfrm>
-          <a:prstGeom prst="rect">
-            <a:avLst/>
-          </a:prstGeom>
-        </p:spPr>
-        <p:txBody>
-          <a:bodyPr anchorCtr="0" anchor="t" bIns="91425" lIns="91425" spcFirstLastPara="1" rIns="91425" wrap="square" tIns="91425">
-            <a:noAutofit/>
-          </a:bodyPr>
-          <a:lstStyle/>
-          <a:p>
-            <a:pPr indent="0" lvl="0" marL="0" rtl="0" algn="l">
-              <a:spcBef>
-                <a:spcPts val="0"/>
-              </a:spcBef>
-              <a:spcAft>
-                <a:spcPts val="0"/>
-              </a:spcAft>
-              <a:buNone/>
-            </a:pPr>
-            <a:r>
-              <a:rPr b="1" lang="en" sz="1500">
-                <a:solidFill>
-                  <a:srgbClr val="000000"/>
-                </a:solidFill>
-                <a:latin typeface="Arial"/>
-                <a:ea typeface="Arial"/>
-                <a:cs typeface="Arial"/>
-                <a:sym typeface="Arial"/>
-              </a:rPr>
-              <a:t>The Titanic dataset has two import patterns that can be learnt to predict values.</a:t>
-            </a:r>
-            <a:endParaRPr b="1" sz="1500">
-              <a:solidFill>
-                <a:srgbClr val="000000"/>
-              </a:solidFill>
-              <a:latin typeface="Arial"/>
-              <a:ea typeface="Arial"/>
-              <a:cs typeface="Arial"/>
-              <a:sym typeface="Arial"/>
-            </a:endParaRPr>
-          </a:p>
-          <a:p>
-            <a:pPr indent="-323850" lvl="0" marL="457200" rtl="0" algn="l">
-              <a:spcBef>
-                <a:spcPts val="1600"/>
-              </a:spcBef>
-              <a:spcAft>
-                <a:spcPts val="0"/>
-              </a:spcAft>
-              <a:buClr>
-                <a:srgbClr val="000000"/>
-              </a:buClr>
-              <a:buSzPts val="1500"/>
-              <a:buFont typeface="Arial"/>
-              <a:buChar char="●"/>
-            </a:pPr>
-            <a:r>
-              <a:rPr b="1" lang="en" sz="1500">
-                <a:solidFill>
-                  <a:srgbClr val="000000"/>
-                </a:solidFill>
-                <a:latin typeface="Arial"/>
-                <a:ea typeface="Arial"/>
-                <a:cs typeface="Arial"/>
-                <a:sym typeface="Arial"/>
-              </a:rPr>
-              <a:t>Data Preprocessing : The data is very </a:t>
-            </a:r>
-            <a:r>
-              <a:rPr b="1" lang="en" sz="1500">
-                <a:solidFill>
-                  <a:srgbClr val="000000"/>
-                </a:solidFill>
-                <a:latin typeface="Arial"/>
-                <a:ea typeface="Arial"/>
-                <a:cs typeface="Arial"/>
-                <a:sym typeface="Arial"/>
-              </a:rPr>
-              <a:t>inconsistent</a:t>
-            </a:r>
-            <a:r>
-              <a:rPr b="1" lang="en" sz="1500">
-                <a:solidFill>
-                  <a:srgbClr val="000000"/>
-                </a:solidFill>
-                <a:latin typeface="Arial"/>
-                <a:ea typeface="Arial"/>
-                <a:cs typeface="Arial"/>
-                <a:sym typeface="Arial"/>
-              </a:rPr>
-              <a:t> hence it needs preprocessing. After this step all the missing values as well as categorical variables are handled</a:t>
-            </a:r>
-            <a:endParaRPr b="1" sz="1500">
-              <a:solidFill>
-                <a:srgbClr val="000000"/>
-              </a:solidFill>
-              <a:latin typeface="Arial"/>
-              <a:ea typeface="Arial"/>
-              <a:cs typeface="Arial"/>
-              <a:sym typeface="Arial"/>
-            </a:endParaRPr>
-          </a:p>
-          <a:p>
-            <a:pPr indent="-323850" lvl="0" marL="457200" rtl="0" algn="l">
-              <a:spcBef>
-                <a:spcPts val="0"/>
-              </a:spcBef>
-              <a:spcAft>
-                <a:spcPts val="0"/>
-              </a:spcAft>
-              <a:buClr>
-                <a:srgbClr val="000000"/>
-              </a:buClr>
-              <a:buSzPts val="1500"/>
-              <a:buFont typeface="Arial"/>
-              <a:buChar char="●"/>
-            </a:pPr>
-            <a:r>
-              <a:rPr b="1" lang="en" sz="1500">
-                <a:solidFill>
-                  <a:srgbClr val="000000"/>
-                </a:solidFill>
-                <a:latin typeface="Arial"/>
-                <a:ea typeface="Arial"/>
-                <a:cs typeface="Arial"/>
-                <a:sym typeface="Arial"/>
-              </a:rPr>
-              <a:t>Regression : We can the predict the values of “Fares” of the Passengers from the test set based on the information from the training set.</a:t>
-            </a:r>
-            <a:endParaRPr b="1" sz="1500">
-              <a:solidFill>
-                <a:srgbClr val="000000"/>
-              </a:solidFill>
-              <a:latin typeface="Arial"/>
-              <a:ea typeface="Arial"/>
-              <a:cs typeface="Arial"/>
-              <a:sym typeface="Arial"/>
-            </a:endParaRPr>
-          </a:p>
-          <a:p>
-            <a:pPr indent="-323850" lvl="0" marL="457200" rtl="0" algn="l">
-              <a:spcBef>
-                <a:spcPts val="0"/>
-              </a:spcBef>
-              <a:spcAft>
-                <a:spcPts val="0"/>
-              </a:spcAft>
-              <a:buClr>
-                <a:srgbClr val="000000"/>
-              </a:buClr>
-              <a:buSzPts val="1500"/>
-              <a:buFont typeface="Arial"/>
-              <a:buChar char="●"/>
-            </a:pPr>
-            <a:r>
-              <a:rPr b="1" lang="en" sz="1500">
-                <a:solidFill>
-                  <a:srgbClr val="000000"/>
-                </a:solidFill>
-                <a:latin typeface="Arial"/>
-                <a:ea typeface="Arial"/>
-                <a:cs typeface="Arial"/>
-                <a:sym typeface="Arial"/>
-              </a:rPr>
-              <a:t>Classification : We can predict which passengers from test set survived and which died by learning from the training set</a:t>
-            </a:r>
-            <a:endParaRPr b="1" sz="1500">
-              <a:solidFill>
-                <a:srgbClr val="000000"/>
-              </a:solidFill>
-              <a:latin typeface="Arial"/>
-              <a:ea typeface="Arial"/>
-              <a:cs typeface="Arial"/>
-              <a:sym typeface="Arial"/>
-            </a:endParaRPr>
           </a:p>
         </p:txBody>
       </p:sp>
@@ -20055,7 +20034,7 @@
   <p:cSld>
     <p:spTree>
       <p:nvGrpSpPr>
-        <p:cNvPr id="405" name="Shape 405"/>
+        <p:cNvPr id="406" name="Shape 406"/>
         <p:cNvGrpSpPr/>
         <p:nvPr/>
       </p:nvGrpSpPr>
@@ -20069,7 +20048,271 @@
       </p:grpSpPr>
       <p:sp>
         <p:nvSpPr>
-          <p:cNvPr id="406" name="Google Shape;406;p32"/>
+          <p:cNvPr id="407" name="Google Shape;407;p32"/>
+          <p:cNvSpPr txBox="1"/>
+          <p:nvPr>
+            <p:ph type="title"/>
+          </p:nvPr>
+        </p:nvSpPr>
+        <p:spPr>
+          <a:xfrm>
+            <a:off x="1303800" y="263700"/>
+            <a:ext cx="7030500" cy="999300"/>
+          </a:xfrm>
+          <a:prstGeom prst="rect">
+            <a:avLst/>
+          </a:prstGeom>
+        </p:spPr>
+        <p:txBody>
+          <a:bodyPr anchorCtr="0" anchor="t" bIns="91425" lIns="91425" spcFirstLastPara="1" rIns="91425" wrap="square" tIns="91425">
+            <a:noAutofit/>
+          </a:bodyPr>
+          <a:lstStyle/>
+          <a:p>
+            <a:pPr indent="0" lvl="0" marL="0" rtl="0" algn="l">
+              <a:spcBef>
+                <a:spcPts val="0"/>
+              </a:spcBef>
+              <a:spcAft>
+                <a:spcPts val="0"/>
+              </a:spcAft>
+              <a:buNone/>
+            </a:pPr>
+            <a:r>
+              <a:rPr lang="en">
+                <a:solidFill>
+                  <a:srgbClr val="000000"/>
+                </a:solidFill>
+              </a:rPr>
+              <a:t>Machine Learning</a:t>
+            </a:r>
+            <a:endParaRPr>
+              <a:solidFill>
+                <a:srgbClr val="000000"/>
+              </a:solidFill>
+            </a:endParaRPr>
+          </a:p>
+        </p:txBody>
+      </p:sp>
+      <p:sp>
+        <p:nvSpPr>
+          <p:cNvPr id="408" name="Google Shape;408;p32"/>
+          <p:cNvSpPr txBox="1"/>
+          <p:nvPr>
+            <p:ph idx="1" type="body"/>
+          </p:nvPr>
+        </p:nvSpPr>
+        <p:spPr>
+          <a:xfrm>
+            <a:off x="1056750" y="1423300"/>
+            <a:ext cx="7030500" cy="2541600"/>
+          </a:xfrm>
+          <a:prstGeom prst="rect">
+            <a:avLst/>
+          </a:prstGeom>
+        </p:spPr>
+        <p:txBody>
+          <a:bodyPr anchorCtr="0" anchor="t" bIns="91425" lIns="91425" spcFirstLastPara="1" rIns="91425" wrap="square" tIns="91425">
+            <a:noAutofit/>
+          </a:bodyPr>
+          <a:lstStyle/>
+          <a:p>
+            <a:pPr indent="0" lvl="0" marL="0" rtl="0" algn="l">
+              <a:spcBef>
+                <a:spcPts val="0"/>
+              </a:spcBef>
+              <a:spcAft>
+                <a:spcPts val="0"/>
+              </a:spcAft>
+              <a:buNone/>
+            </a:pPr>
+            <a:r>
+              <a:rPr b="1" lang="en" sz="1500">
+                <a:solidFill>
+                  <a:srgbClr val="000000"/>
+                </a:solidFill>
+                <a:latin typeface="Arial"/>
+                <a:ea typeface="Arial"/>
+                <a:cs typeface="Arial"/>
+                <a:sym typeface="Arial"/>
+              </a:rPr>
+              <a:t>The Titanic dataset has two import patterns that can be learnt to predict values.</a:t>
+            </a:r>
+            <a:endParaRPr b="1" sz="1500">
+              <a:solidFill>
+                <a:srgbClr val="000000"/>
+              </a:solidFill>
+              <a:latin typeface="Arial"/>
+              <a:ea typeface="Arial"/>
+              <a:cs typeface="Arial"/>
+              <a:sym typeface="Arial"/>
+            </a:endParaRPr>
+          </a:p>
+          <a:p>
+            <a:pPr indent="-323850" lvl="0" marL="457200" rtl="0" algn="l">
+              <a:spcBef>
+                <a:spcPts val="1600"/>
+              </a:spcBef>
+              <a:spcAft>
+                <a:spcPts val="0"/>
+              </a:spcAft>
+              <a:buClr>
+                <a:srgbClr val="000000"/>
+              </a:buClr>
+              <a:buSzPts val="1500"/>
+              <a:buFont typeface="Arial"/>
+              <a:buChar char="●"/>
+            </a:pPr>
+            <a:r>
+              <a:rPr b="1" lang="en" sz="1500">
+                <a:solidFill>
+                  <a:srgbClr val="000000"/>
+                </a:solidFill>
+                <a:latin typeface="Arial"/>
+                <a:ea typeface="Arial"/>
+                <a:cs typeface="Arial"/>
+                <a:sym typeface="Arial"/>
+              </a:rPr>
+              <a:t>Data Preprocessing : The data is very </a:t>
+            </a:r>
+            <a:r>
+              <a:rPr b="1" lang="en" sz="1500">
+                <a:solidFill>
+                  <a:srgbClr val="000000"/>
+                </a:solidFill>
+                <a:latin typeface="Arial"/>
+                <a:ea typeface="Arial"/>
+                <a:cs typeface="Arial"/>
+                <a:sym typeface="Arial"/>
+              </a:rPr>
+              <a:t>inconsistent</a:t>
+            </a:r>
+            <a:r>
+              <a:rPr b="1" lang="en" sz="1500">
+                <a:solidFill>
+                  <a:srgbClr val="000000"/>
+                </a:solidFill>
+                <a:latin typeface="Arial"/>
+                <a:ea typeface="Arial"/>
+                <a:cs typeface="Arial"/>
+                <a:sym typeface="Arial"/>
+              </a:rPr>
+              <a:t> hence it needs preprocessing. After this step all the missing values as well as categorical variables are handled</a:t>
+            </a:r>
+            <a:endParaRPr b="1" sz="1500">
+              <a:solidFill>
+                <a:srgbClr val="000000"/>
+              </a:solidFill>
+              <a:latin typeface="Arial"/>
+              <a:ea typeface="Arial"/>
+              <a:cs typeface="Arial"/>
+              <a:sym typeface="Arial"/>
+            </a:endParaRPr>
+          </a:p>
+          <a:p>
+            <a:pPr indent="-323850" lvl="0" marL="457200" rtl="0" algn="l">
+              <a:spcBef>
+                <a:spcPts val="0"/>
+              </a:spcBef>
+              <a:spcAft>
+                <a:spcPts val="0"/>
+              </a:spcAft>
+              <a:buClr>
+                <a:srgbClr val="000000"/>
+              </a:buClr>
+              <a:buSzPts val="1500"/>
+              <a:buFont typeface="Arial"/>
+              <a:buChar char="●"/>
+            </a:pPr>
+            <a:r>
+              <a:rPr b="1" lang="en" sz="1500">
+                <a:solidFill>
+                  <a:srgbClr val="000000"/>
+                </a:solidFill>
+                <a:latin typeface="Arial"/>
+                <a:ea typeface="Arial"/>
+                <a:cs typeface="Arial"/>
+                <a:sym typeface="Arial"/>
+              </a:rPr>
+              <a:t>Regression : We can the predict the values of “Fares” of the Passengers from the test set based on the information from the training set.</a:t>
+            </a:r>
+            <a:endParaRPr b="1" sz="1500">
+              <a:solidFill>
+                <a:srgbClr val="000000"/>
+              </a:solidFill>
+              <a:latin typeface="Arial"/>
+              <a:ea typeface="Arial"/>
+              <a:cs typeface="Arial"/>
+              <a:sym typeface="Arial"/>
+            </a:endParaRPr>
+          </a:p>
+          <a:p>
+            <a:pPr indent="-323850" lvl="0" marL="457200" rtl="0" algn="l">
+              <a:spcBef>
+                <a:spcPts val="0"/>
+              </a:spcBef>
+              <a:spcAft>
+                <a:spcPts val="0"/>
+              </a:spcAft>
+              <a:buClr>
+                <a:srgbClr val="000000"/>
+              </a:buClr>
+              <a:buSzPts val="1500"/>
+              <a:buFont typeface="Arial"/>
+              <a:buChar char="●"/>
+            </a:pPr>
+            <a:r>
+              <a:rPr b="1" lang="en" sz="1500">
+                <a:solidFill>
+                  <a:srgbClr val="000000"/>
+                </a:solidFill>
+                <a:latin typeface="Arial"/>
+                <a:ea typeface="Arial"/>
+                <a:cs typeface="Arial"/>
+                <a:sym typeface="Arial"/>
+              </a:rPr>
+              <a:t>Classification : We can predict which passengers from test set survived and which died by learning from the training set</a:t>
+            </a:r>
+            <a:endParaRPr b="1" sz="1500">
+              <a:solidFill>
+                <a:srgbClr val="000000"/>
+              </a:solidFill>
+              <a:latin typeface="Arial"/>
+              <a:ea typeface="Arial"/>
+              <a:cs typeface="Arial"/>
+              <a:sym typeface="Arial"/>
+            </a:endParaRPr>
+          </a:p>
+        </p:txBody>
+      </p:sp>
+    </p:spTree>
+  </p:cSld>
+  <p:clrMapOvr>
+    <a:masterClrMapping/>
+  </p:clrMapOvr>
+</p:sld>
+</file>
+
+<file path=ppt/slides/slide21.xml><?xml version="1.0" encoding="utf-8"?>
+<p:sld xmlns:a="http://schemas.openxmlformats.org/drawingml/2006/main" xmlns:r="http://schemas.openxmlformats.org/officeDocument/2006/relationships" xmlns:mc="http://schemas.openxmlformats.org/markup-compatibility/2006" xmlns:mv="urn:schemas-microsoft-com:mac:vml" xmlns:p="http://schemas.openxmlformats.org/presentationml/2006/main" xmlns:c="http://schemas.openxmlformats.org/drawingml/2006/chart" xmlns:dgm="http://schemas.openxmlformats.org/drawingml/2006/diagram" xmlns:o="urn:schemas-microsoft-com:office:office" xmlns:v="urn:schemas-microsoft-com:vml" xmlns:pvml="urn:schemas-microsoft-com:office:powerpoint" xmlns:com="http://schemas.openxmlformats.org/drawingml/2006/compatibility" xmlns:p14="http://schemas.microsoft.com/office/powerpoint/2010/main" xmlns:p15="http://schemas.microsoft.com/office/powerpoint/2012/main" xmlns:ahyp="http://schemas.microsoft.com/office/drawing/2018/hyperlinkcolor">
+  <p:cSld>
+    <p:spTree>
+      <p:nvGrpSpPr>
+        <p:cNvPr id="412" name="Shape 412"/>
+        <p:cNvGrpSpPr/>
+        <p:nvPr/>
+      </p:nvGrpSpPr>
+      <p:grpSpPr>
+        <a:xfrm>
+          <a:off x="0" y="0"/>
+          <a:ext cx="0" cy="0"/>
+          <a:chOff x="0" y="0"/>
+          <a:chExt cx="0" cy="0"/>
+        </a:xfrm>
+      </p:grpSpPr>
+      <p:sp>
+        <p:nvSpPr>
+          <p:cNvPr id="413" name="Google Shape;413;p33"/>
           <p:cNvSpPr txBox="1"/>
           <p:nvPr/>
         </p:nvSpPr>
@@ -20121,7 +20364,7 @@
       </p:sp>
       <p:pic>
         <p:nvPicPr>
-          <p:cNvPr id="407" name="Google Shape;407;p32"/>
+          <p:cNvPr id="414" name="Google Shape;414;p33"/>
           <p:cNvPicPr preferRelativeResize="0"/>
           <p:nvPr/>
         </p:nvPicPr>
@@ -20149,7 +20392,7 @@
       </p:pic>
       <p:pic>
         <p:nvPicPr>
-          <p:cNvPr id="408" name="Google Shape;408;p32"/>
+          <p:cNvPr id="415" name="Google Shape;415;p33"/>
           <p:cNvPicPr preferRelativeResize="0"/>
           <p:nvPr/>
         </p:nvPicPr>
@@ -20183,12 +20426,12 @@
 </p:sld>
 </file>
 
-<file path=ppt/slides/slide21.xml><?xml version="1.0" encoding="utf-8"?>
+<file path=ppt/slides/slide22.xml><?xml version="1.0" encoding="utf-8"?>
 <p:sld xmlns:a="http://schemas.openxmlformats.org/drawingml/2006/main" xmlns:r="http://schemas.openxmlformats.org/officeDocument/2006/relationships" xmlns:mc="http://schemas.openxmlformats.org/markup-compatibility/2006" xmlns:mv="urn:schemas-microsoft-com:mac:vml" xmlns:p="http://schemas.openxmlformats.org/presentationml/2006/main" xmlns:c="http://schemas.openxmlformats.org/drawingml/2006/chart" xmlns:dgm="http://schemas.openxmlformats.org/drawingml/2006/diagram" xmlns:o="urn:schemas-microsoft-com:office:office" xmlns:v="urn:schemas-microsoft-com:vml" xmlns:pvml="urn:schemas-microsoft-com:office:powerpoint" xmlns:com="http://schemas.openxmlformats.org/drawingml/2006/compatibility" xmlns:p14="http://schemas.microsoft.com/office/powerpoint/2010/main" xmlns:p15="http://schemas.microsoft.com/office/powerpoint/2012/main" xmlns:ahyp="http://schemas.microsoft.com/office/drawing/2018/hyperlinkcolor">
   <p:cSld>
     <p:spTree>
       <p:nvGrpSpPr>
-        <p:cNvPr id="412" name="Shape 412"/>
+        <p:cNvPr id="419" name="Shape 419"/>
         <p:cNvGrpSpPr/>
         <p:nvPr/>
       </p:nvGrpSpPr>
@@ -20202,7 +20445,7 @@
       </p:grpSpPr>
       <p:sp>
         <p:nvSpPr>
-          <p:cNvPr id="413" name="Google Shape;413;p33"/>
+          <p:cNvPr id="420" name="Google Shape;420;p34"/>
           <p:cNvSpPr txBox="1"/>
           <p:nvPr>
             <p:ph type="title"/>
@@ -20250,7 +20493,7 @@
       </p:sp>
       <p:pic>
         <p:nvPicPr>
-          <p:cNvPr id="414" name="Google Shape;414;p33"/>
+          <p:cNvPr id="421" name="Google Shape;421;p34"/>
           <p:cNvPicPr preferRelativeResize="0"/>
           <p:nvPr/>
         </p:nvPicPr>
@@ -20278,7 +20521,7 @@
       </p:pic>
       <p:sp>
         <p:nvSpPr>
-          <p:cNvPr id="415" name="Google Shape;415;p33"/>
+          <p:cNvPr id="422" name="Google Shape;422;p34"/>
           <p:cNvSpPr txBox="1"/>
           <p:nvPr/>
         </p:nvSpPr>
@@ -20320,7 +20563,7 @@
       </p:sp>
       <p:pic>
         <p:nvPicPr>
-          <p:cNvPr id="416" name="Google Shape;416;p33"/>
+          <p:cNvPr id="423" name="Google Shape;423;p34"/>
           <p:cNvPicPr preferRelativeResize="0"/>
           <p:nvPr/>
         </p:nvPicPr>
@@ -20346,149 +20589,6 @@
           </a:ln>
         </p:spPr>
       </p:pic>
-    </p:spTree>
-  </p:cSld>
-  <p:clrMapOvr>
-    <a:masterClrMapping/>
-  </p:clrMapOvr>
-</p:sld>
-</file>
-
-<file path=ppt/slides/slide22.xml><?xml version="1.0" encoding="utf-8"?>
-<p:sld xmlns:a="http://schemas.openxmlformats.org/drawingml/2006/main" xmlns:r="http://schemas.openxmlformats.org/officeDocument/2006/relationships" xmlns:mc="http://schemas.openxmlformats.org/markup-compatibility/2006" xmlns:mv="urn:schemas-microsoft-com:mac:vml" xmlns:p="http://schemas.openxmlformats.org/presentationml/2006/main" xmlns:c="http://schemas.openxmlformats.org/drawingml/2006/chart" xmlns:dgm="http://schemas.openxmlformats.org/drawingml/2006/diagram" xmlns:o="urn:schemas-microsoft-com:office:office" xmlns:v="urn:schemas-microsoft-com:vml" xmlns:pvml="urn:schemas-microsoft-com:office:powerpoint" xmlns:com="http://schemas.openxmlformats.org/drawingml/2006/compatibility" xmlns:p14="http://schemas.microsoft.com/office/powerpoint/2010/main" xmlns:p15="http://schemas.microsoft.com/office/powerpoint/2012/main" xmlns:ahyp="http://schemas.microsoft.com/office/drawing/2018/hyperlinkcolor">
-  <p:cSld>
-    <p:spTree>
-      <p:nvGrpSpPr>
-        <p:cNvPr id="420" name="Shape 420"/>
-        <p:cNvGrpSpPr/>
-        <p:nvPr/>
-      </p:nvGrpSpPr>
-      <p:grpSpPr>
-        <a:xfrm>
-          <a:off x="0" y="0"/>
-          <a:ext cx="0" cy="0"/>
-          <a:chOff x="0" y="0"/>
-          <a:chExt cx="0" cy="0"/>
-        </a:xfrm>
-      </p:grpSpPr>
-      <p:sp>
-        <p:nvSpPr>
-          <p:cNvPr id="421" name="Google Shape;421;p34"/>
-          <p:cNvSpPr txBox="1"/>
-          <p:nvPr>
-            <p:ph type="title"/>
-          </p:nvPr>
-        </p:nvSpPr>
-        <p:spPr>
-          <a:xfrm>
-            <a:off x="1303800" y="100550"/>
-            <a:ext cx="7030500" cy="615000"/>
-          </a:xfrm>
-          <a:prstGeom prst="rect">
-            <a:avLst/>
-          </a:prstGeom>
-        </p:spPr>
-        <p:txBody>
-          <a:bodyPr anchorCtr="0" anchor="t" bIns="91425" lIns="91425" spcFirstLastPara="1" rIns="91425" wrap="square" tIns="91425">
-            <a:noAutofit/>
-          </a:bodyPr>
-          <a:lstStyle/>
-          <a:p>
-            <a:pPr indent="0" lvl="0" marL="0" rtl="0" algn="ctr">
-              <a:spcBef>
-                <a:spcPts val="0"/>
-              </a:spcBef>
-              <a:spcAft>
-                <a:spcPts val="0"/>
-              </a:spcAft>
-              <a:buNone/>
-            </a:pPr>
-            <a:r>
-              <a:rPr lang="en">
-                <a:solidFill>
-                  <a:srgbClr val="000000"/>
-                </a:solidFill>
-              </a:rPr>
-              <a:t>Classification</a:t>
-            </a:r>
-            <a:endParaRPr>
-              <a:solidFill>
-                <a:srgbClr val="000000"/>
-              </a:solidFill>
-            </a:endParaRPr>
-          </a:p>
-        </p:txBody>
-      </p:sp>
-      <p:pic>
-        <p:nvPicPr>
-          <p:cNvPr id="422" name="Google Shape;422;p34"/>
-          <p:cNvPicPr preferRelativeResize="0"/>
-          <p:nvPr/>
-        </p:nvPicPr>
-        <p:blipFill>
-          <a:blip r:embed="rId3">
-            <a:alphaModFix/>
-          </a:blip>
-          <a:stretch>
-            <a:fillRect/>
-          </a:stretch>
-        </p:blipFill>
-        <p:spPr>
-          <a:xfrm>
-            <a:off x="640351" y="2325425"/>
-            <a:ext cx="7737525" cy="2638675"/>
-          </a:xfrm>
-          <a:prstGeom prst="rect">
-            <a:avLst/>
-          </a:prstGeom>
-          <a:noFill/>
-          <a:ln>
-            <a:noFill/>
-          </a:ln>
-        </p:spPr>
-      </p:pic>
-      <p:sp>
-        <p:nvSpPr>
-          <p:cNvPr id="423" name="Google Shape;423;p34"/>
-          <p:cNvSpPr txBox="1"/>
-          <p:nvPr/>
-        </p:nvSpPr>
-        <p:spPr>
-          <a:xfrm>
-            <a:off x="941675" y="998925"/>
-            <a:ext cx="7247400" cy="1125000"/>
-          </a:xfrm>
-          <a:prstGeom prst="rect">
-            <a:avLst/>
-          </a:prstGeom>
-          <a:noFill/>
-          <a:ln>
-            <a:noFill/>
-          </a:ln>
-        </p:spPr>
-        <p:txBody>
-          <a:bodyPr anchorCtr="0" anchor="t" bIns="91425" lIns="91425" spcFirstLastPara="1" rIns="91425" wrap="square" tIns="91425">
-            <a:noAutofit/>
-          </a:bodyPr>
-          <a:lstStyle/>
-          <a:p>
-            <a:pPr indent="0" lvl="0" marL="0" rtl="0" algn="l">
-              <a:spcBef>
-                <a:spcPts val="0"/>
-              </a:spcBef>
-              <a:spcAft>
-                <a:spcPts val="0"/>
-              </a:spcAft>
-              <a:buNone/>
-            </a:pPr>
-            <a:r>
-              <a:rPr b="1" lang="en" sz="1500"/>
-              <a:t>We use the K Nearest Neighbours Algorithm to learnt from the training data and predict if the passenger survived or not from test data. We use the sklearn’s KNeighboursClassifier to fit over the training data. Then we predict the values on test data.</a:t>
-            </a:r>
-            <a:endParaRPr b="1" sz="1500"/>
-          </a:p>
-        </p:txBody>
-      </p:sp>
     </p:spTree>
   </p:cSld>
   <p:clrMapOvr>
@@ -20524,6 +20624,149 @@
         </p:nvSpPr>
         <p:spPr>
           <a:xfrm>
+            <a:off x="1303800" y="100550"/>
+            <a:ext cx="7030500" cy="615000"/>
+          </a:xfrm>
+          <a:prstGeom prst="rect">
+            <a:avLst/>
+          </a:prstGeom>
+        </p:spPr>
+        <p:txBody>
+          <a:bodyPr anchorCtr="0" anchor="t" bIns="91425" lIns="91425" spcFirstLastPara="1" rIns="91425" wrap="square" tIns="91425">
+            <a:noAutofit/>
+          </a:bodyPr>
+          <a:lstStyle/>
+          <a:p>
+            <a:pPr indent="0" lvl="0" marL="0" rtl="0" algn="ctr">
+              <a:spcBef>
+                <a:spcPts val="0"/>
+              </a:spcBef>
+              <a:spcAft>
+                <a:spcPts val="0"/>
+              </a:spcAft>
+              <a:buNone/>
+            </a:pPr>
+            <a:r>
+              <a:rPr lang="en">
+                <a:solidFill>
+                  <a:srgbClr val="000000"/>
+                </a:solidFill>
+              </a:rPr>
+              <a:t>Classification</a:t>
+            </a:r>
+            <a:endParaRPr>
+              <a:solidFill>
+                <a:srgbClr val="000000"/>
+              </a:solidFill>
+            </a:endParaRPr>
+          </a:p>
+        </p:txBody>
+      </p:sp>
+      <p:pic>
+        <p:nvPicPr>
+          <p:cNvPr id="429" name="Google Shape;429;p35"/>
+          <p:cNvPicPr preferRelativeResize="0"/>
+          <p:nvPr/>
+        </p:nvPicPr>
+        <p:blipFill>
+          <a:blip r:embed="rId3">
+            <a:alphaModFix/>
+          </a:blip>
+          <a:stretch>
+            <a:fillRect/>
+          </a:stretch>
+        </p:blipFill>
+        <p:spPr>
+          <a:xfrm>
+            <a:off x="640351" y="2325425"/>
+            <a:ext cx="7737525" cy="2638675"/>
+          </a:xfrm>
+          <a:prstGeom prst="rect">
+            <a:avLst/>
+          </a:prstGeom>
+          <a:noFill/>
+          <a:ln>
+            <a:noFill/>
+          </a:ln>
+        </p:spPr>
+      </p:pic>
+      <p:sp>
+        <p:nvSpPr>
+          <p:cNvPr id="430" name="Google Shape;430;p35"/>
+          <p:cNvSpPr txBox="1"/>
+          <p:nvPr/>
+        </p:nvSpPr>
+        <p:spPr>
+          <a:xfrm>
+            <a:off x="941675" y="998925"/>
+            <a:ext cx="7247400" cy="1125000"/>
+          </a:xfrm>
+          <a:prstGeom prst="rect">
+            <a:avLst/>
+          </a:prstGeom>
+          <a:noFill/>
+          <a:ln>
+            <a:noFill/>
+          </a:ln>
+        </p:spPr>
+        <p:txBody>
+          <a:bodyPr anchorCtr="0" anchor="t" bIns="91425" lIns="91425" spcFirstLastPara="1" rIns="91425" wrap="square" tIns="91425">
+            <a:noAutofit/>
+          </a:bodyPr>
+          <a:lstStyle/>
+          <a:p>
+            <a:pPr indent="0" lvl="0" marL="0" rtl="0" algn="l">
+              <a:spcBef>
+                <a:spcPts val="0"/>
+              </a:spcBef>
+              <a:spcAft>
+                <a:spcPts val="0"/>
+              </a:spcAft>
+              <a:buNone/>
+            </a:pPr>
+            <a:r>
+              <a:rPr b="1" lang="en" sz="1500"/>
+              <a:t>We use the K Nearest Neighbours Algorithm to learnt from the training data and predict if the passenger survived or not from test data. We use the sklearn’s KNeighboursClassifier to fit over the training data. Then we predict the values on test data.</a:t>
+            </a:r>
+            <a:endParaRPr b="1" sz="1500"/>
+          </a:p>
+        </p:txBody>
+      </p:sp>
+    </p:spTree>
+  </p:cSld>
+  <p:clrMapOvr>
+    <a:masterClrMapping/>
+  </p:clrMapOvr>
+</p:sld>
+</file>
+
+<file path=ppt/slides/slide24.xml><?xml version="1.0" encoding="utf-8"?>
+<p:sld xmlns:a="http://schemas.openxmlformats.org/drawingml/2006/main" xmlns:r="http://schemas.openxmlformats.org/officeDocument/2006/relationships" xmlns:mc="http://schemas.openxmlformats.org/markup-compatibility/2006" xmlns:mv="urn:schemas-microsoft-com:mac:vml" xmlns:p="http://schemas.openxmlformats.org/presentationml/2006/main" xmlns:c="http://schemas.openxmlformats.org/drawingml/2006/chart" xmlns:dgm="http://schemas.openxmlformats.org/drawingml/2006/diagram" xmlns:o="urn:schemas-microsoft-com:office:office" xmlns:v="urn:schemas-microsoft-com:vml" xmlns:pvml="urn:schemas-microsoft-com:office:powerpoint" xmlns:com="http://schemas.openxmlformats.org/drawingml/2006/compatibility" xmlns:p14="http://schemas.microsoft.com/office/powerpoint/2010/main" xmlns:p15="http://schemas.microsoft.com/office/powerpoint/2012/main" xmlns:ahyp="http://schemas.microsoft.com/office/drawing/2018/hyperlinkcolor">
+  <p:cSld>
+    <p:spTree>
+      <p:nvGrpSpPr>
+        <p:cNvPr id="434" name="Shape 434"/>
+        <p:cNvGrpSpPr/>
+        <p:nvPr/>
+      </p:nvGrpSpPr>
+      <p:grpSpPr>
+        <a:xfrm>
+          <a:off x="0" y="0"/>
+          <a:ext cx="0" cy="0"/>
+          <a:chOff x="0" y="0"/>
+          <a:chExt cx="0" cy="0"/>
+        </a:xfrm>
+      </p:grpSpPr>
+      <p:sp>
+        <p:nvSpPr>
+          <p:cNvPr id="435" name="Google Shape;435;p36"/>
+          <p:cNvSpPr txBox="1"/>
+          <p:nvPr>
+            <p:ph type="title"/>
+          </p:nvPr>
+        </p:nvSpPr>
+        <p:spPr>
+          <a:xfrm>
             <a:off x="1303800" y="598575"/>
             <a:ext cx="7030500" cy="999300"/>
           </a:xfrm>
@@ -20564,7 +20807,7 @@
       </p:sp>
       <p:sp>
         <p:nvSpPr>
-          <p:cNvPr id="429" name="Google Shape;429;p35"/>
+          <p:cNvPr id="436" name="Google Shape;436;p36"/>
           <p:cNvSpPr txBox="1"/>
           <p:nvPr>
             <p:ph idx="1" type="body"/>
@@ -20932,12 +21175,12 @@
 </p:sld>
 </file>
 
-<file path=ppt/slides/slide24.xml><?xml version="1.0" encoding="utf-8"?>
+<file path=ppt/slides/slide25.xml><?xml version="1.0" encoding="utf-8"?>
 <p:sld xmlns:a="http://schemas.openxmlformats.org/drawingml/2006/main" xmlns:r="http://schemas.openxmlformats.org/officeDocument/2006/relationships" xmlns:mc="http://schemas.openxmlformats.org/markup-compatibility/2006" xmlns:mv="urn:schemas-microsoft-com:mac:vml" xmlns:p="http://schemas.openxmlformats.org/presentationml/2006/main" xmlns:c="http://schemas.openxmlformats.org/drawingml/2006/chart" xmlns:dgm="http://schemas.openxmlformats.org/drawingml/2006/diagram" xmlns:o="urn:schemas-microsoft-com:office:office" xmlns:v="urn:schemas-microsoft-com:vml" xmlns:pvml="urn:schemas-microsoft-com:office:powerpoint" xmlns:com="http://schemas.openxmlformats.org/drawingml/2006/compatibility" xmlns:p14="http://schemas.microsoft.com/office/powerpoint/2010/main" xmlns:p15="http://schemas.microsoft.com/office/powerpoint/2012/main" xmlns:ahyp="http://schemas.microsoft.com/office/drawing/2018/hyperlinkcolor">
   <p:cSld>
     <p:spTree>
       <p:nvGrpSpPr>
-        <p:cNvPr id="433" name="Shape 433"/>
+        <p:cNvPr id="440" name="Shape 440"/>
         <p:cNvGrpSpPr/>
         <p:nvPr/>
       </p:nvGrpSpPr>
@@ -20951,7 +21194,7 @@
       </p:grpSpPr>
       <p:pic>
         <p:nvPicPr>
-          <p:cNvPr id="434" name="Google Shape;434;p36"/>
+          <p:cNvPr id="441" name="Google Shape;441;p37"/>
           <p:cNvPicPr preferRelativeResize="0"/>
           <p:nvPr/>
         </p:nvPicPr>
@@ -20979,7 +21222,7 @@
       </p:pic>
       <p:sp>
         <p:nvSpPr>
-          <p:cNvPr id="435" name="Google Shape;435;p36"/>
+          <p:cNvPr id="442" name="Google Shape;442;p37"/>
           <p:cNvSpPr txBox="1"/>
           <p:nvPr/>
         </p:nvSpPr>
@@ -21063,12 +21306,12 @@
 </p:sld>
 </file>
 
-<file path=ppt/slides/slide25.xml><?xml version="1.0" encoding="utf-8"?>
+<file path=ppt/slides/slide26.xml><?xml version="1.0" encoding="utf-8"?>
 <p:sld xmlns:a="http://schemas.openxmlformats.org/drawingml/2006/main" xmlns:r="http://schemas.openxmlformats.org/officeDocument/2006/relationships" xmlns:mc="http://schemas.openxmlformats.org/markup-compatibility/2006" xmlns:mv="urn:schemas-microsoft-com:mac:vml" xmlns:p="http://schemas.openxmlformats.org/presentationml/2006/main" xmlns:c="http://schemas.openxmlformats.org/drawingml/2006/chart" xmlns:dgm="http://schemas.openxmlformats.org/drawingml/2006/diagram" xmlns:o="urn:schemas-microsoft-com:office:office" xmlns:v="urn:schemas-microsoft-com:vml" xmlns:pvml="urn:schemas-microsoft-com:office:powerpoint" xmlns:com="http://schemas.openxmlformats.org/drawingml/2006/compatibility" xmlns:p14="http://schemas.microsoft.com/office/powerpoint/2010/main" xmlns:p15="http://schemas.microsoft.com/office/powerpoint/2012/main" xmlns:ahyp="http://schemas.microsoft.com/office/drawing/2018/hyperlinkcolor">
   <p:cSld>
     <p:spTree>
       <p:nvGrpSpPr>
-        <p:cNvPr id="439" name="Shape 439"/>
+        <p:cNvPr id="446" name="Shape 446"/>
         <p:cNvGrpSpPr/>
         <p:nvPr/>
       </p:nvGrpSpPr>
@@ -21082,7 +21325,7 @@
       </p:grpSpPr>
       <p:pic>
         <p:nvPicPr>
-          <p:cNvPr id="440" name="Google Shape;440;p37"/>
+          <p:cNvPr id="447" name="Google Shape;447;p38"/>
           <p:cNvPicPr preferRelativeResize="0"/>
           <p:nvPr/>
         </p:nvPicPr>
@@ -21110,7 +21353,7 @@
       </p:pic>
       <p:sp>
         <p:nvSpPr>
-          <p:cNvPr id="441" name="Google Shape;441;p37"/>
+          <p:cNvPr id="448" name="Google Shape;448;p38"/>
           <p:cNvSpPr txBox="1"/>
           <p:nvPr/>
         </p:nvSpPr>
@@ -21166,12 +21409,12 @@
 </p:sld>
 </file>
 
-<file path=ppt/slides/slide26.xml><?xml version="1.0" encoding="utf-8"?>
+<file path=ppt/slides/slide27.xml><?xml version="1.0" encoding="utf-8"?>
 <p:sld xmlns:a="http://schemas.openxmlformats.org/drawingml/2006/main" xmlns:r="http://schemas.openxmlformats.org/officeDocument/2006/relationships" xmlns:mc="http://schemas.openxmlformats.org/markup-compatibility/2006" xmlns:mv="urn:schemas-microsoft-com:mac:vml" xmlns:p="http://schemas.openxmlformats.org/presentationml/2006/main" xmlns:c="http://schemas.openxmlformats.org/drawingml/2006/chart" xmlns:dgm="http://schemas.openxmlformats.org/drawingml/2006/diagram" xmlns:o="urn:schemas-microsoft-com:office:office" xmlns:v="urn:schemas-microsoft-com:vml" xmlns:pvml="urn:schemas-microsoft-com:office:powerpoint" xmlns:com="http://schemas.openxmlformats.org/drawingml/2006/compatibility" xmlns:p14="http://schemas.microsoft.com/office/powerpoint/2010/main" xmlns:p15="http://schemas.microsoft.com/office/powerpoint/2012/main" xmlns:ahyp="http://schemas.microsoft.com/office/drawing/2018/hyperlinkcolor">
   <p:cSld>
     <p:spTree>
       <p:nvGrpSpPr>
-        <p:cNvPr id="445" name="Shape 445"/>
+        <p:cNvPr id="452" name="Shape 452"/>
         <p:cNvGrpSpPr/>
         <p:nvPr/>
       </p:nvGrpSpPr>
@@ -21185,7 +21428,7 @@
       </p:grpSpPr>
       <p:pic>
         <p:nvPicPr>
-          <p:cNvPr id="446" name="Google Shape;446;p38"/>
+          <p:cNvPr id="453" name="Google Shape;453;p39"/>
           <p:cNvPicPr preferRelativeResize="0"/>
           <p:nvPr/>
         </p:nvPicPr>
@@ -21213,7 +21456,7 @@
       </p:pic>
       <p:pic>
         <p:nvPicPr>
-          <p:cNvPr id="447" name="Google Shape;447;p38"/>
+          <p:cNvPr id="454" name="Google Shape;454;p39"/>
           <p:cNvPicPr preferRelativeResize="0"/>
           <p:nvPr/>
         </p:nvPicPr>
@@ -21241,7 +21484,7 @@
       </p:pic>
       <p:sp>
         <p:nvSpPr>
-          <p:cNvPr id="448" name="Google Shape;448;p38"/>
+          <p:cNvPr id="455" name="Google Shape;455;p39"/>
           <p:cNvSpPr txBox="1"/>
           <p:nvPr/>
         </p:nvSpPr>
@@ -21291,7 +21534,7 @@
       </p:sp>
       <p:sp>
         <p:nvSpPr>
-          <p:cNvPr id="449" name="Google Shape;449;p38"/>
+          <p:cNvPr id="456" name="Google Shape;456;p39"/>
           <p:cNvSpPr txBox="1"/>
           <p:nvPr/>
         </p:nvSpPr>
@@ -21333,7 +21576,7 @@
       </p:sp>
       <p:sp>
         <p:nvSpPr>
-          <p:cNvPr id="450" name="Google Shape;450;p38"/>
+          <p:cNvPr id="457" name="Google Shape;457;p39"/>
           <p:cNvSpPr txBox="1"/>
           <p:nvPr/>
         </p:nvSpPr>
@@ -21381,12 +21624,12 @@
 </p:sld>
 </file>
 
-<file path=ppt/slides/slide27.xml><?xml version="1.0" encoding="utf-8"?>
+<file path=ppt/slides/slide28.xml><?xml version="1.0" encoding="utf-8"?>
 <p:sld xmlns:a="http://schemas.openxmlformats.org/drawingml/2006/main" xmlns:r="http://schemas.openxmlformats.org/officeDocument/2006/relationships" xmlns:mc="http://schemas.openxmlformats.org/markup-compatibility/2006" xmlns:mv="urn:schemas-microsoft-com:mac:vml" xmlns:p="http://schemas.openxmlformats.org/presentationml/2006/main" xmlns:c="http://schemas.openxmlformats.org/drawingml/2006/chart" xmlns:dgm="http://schemas.openxmlformats.org/drawingml/2006/diagram" xmlns:o="urn:schemas-microsoft-com:office:office" xmlns:v="urn:schemas-microsoft-com:vml" xmlns:pvml="urn:schemas-microsoft-com:office:powerpoint" xmlns:com="http://schemas.openxmlformats.org/drawingml/2006/compatibility" xmlns:p14="http://schemas.microsoft.com/office/powerpoint/2010/main" xmlns:p15="http://schemas.microsoft.com/office/powerpoint/2012/main" xmlns:ahyp="http://schemas.microsoft.com/office/drawing/2018/hyperlinkcolor">
   <p:cSld>
     <p:spTree>
       <p:nvGrpSpPr>
-        <p:cNvPr id="454" name="Shape 454"/>
+        <p:cNvPr id="461" name="Shape 461"/>
         <p:cNvGrpSpPr/>
         <p:nvPr/>
       </p:nvGrpSpPr>
@@ -21400,7 +21643,7 @@
       </p:grpSpPr>
       <p:pic>
         <p:nvPicPr>
-          <p:cNvPr id="455" name="Google Shape;455;p39"/>
+          <p:cNvPr id="462" name="Google Shape;462;p40"/>
           <p:cNvPicPr preferRelativeResize="0"/>
           <p:nvPr/>
         </p:nvPicPr>
@@ -21428,7 +21671,7 @@
       </p:pic>
       <p:pic>
         <p:nvPicPr>
-          <p:cNvPr id="456" name="Google Shape;456;p39"/>
+          <p:cNvPr id="463" name="Google Shape;463;p40"/>
           <p:cNvPicPr preferRelativeResize="0"/>
           <p:nvPr/>
         </p:nvPicPr>
@@ -21456,7 +21699,7 @@
       </p:pic>
       <p:sp>
         <p:nvSpPr>
-          <p:cNvPr id="457" name="Google Shape;457;p39"/>
+          <p:cNvPr id="464" name="Google Shape;464;p40"/>
           <p:cNvSpPr txBox="1"/>
           <p:nvPr/>
         </p:nvSpPr>
@@ -21506,7 +21749,7 @@
       </p:sp>
       <p:sp>
         <p:nvSpPr>
-          <p:cNvPr id="458" name="Google Shape;458;p39"/>
+          <p:cNvPr id="465" name="Google Shape;465;p40"/>
           <p:cNvSpPr txBox="1"/>
           <p:nvPr/>
         </p:nvSpPr>
@@ -21554,12 +21797,12 @@
 </p:sld>
 </file>
 
-<file path=ppt/slides/slide28.xml><?xml version="1.0" encoding="utf-8"?>
+<file path=ppt/slides/slide29.xml><?xml version="1.0" encoding="utf-8"?>
 <p:sld xmlns:a="http://schemas.openxmlformats.org/drawingml/2006/main" xmlns:r="http://schemas.openxmlformats.org/officeDocument/2006/relationships" xmlns:mc="http://schemas.openxmlformats.org/markup-compatibility/2006" xmlns:mv="urn:schemas-microsoft-com:mac:vml" xmlns:p="http://schemas.openxmlformats.org/presentationml/2006/main" xmlns:c="http://schemas.openxmlformats.org/drawingml/2006/chart" xmlns:dgm="http://schemas.openxmlformats.org/drawingml/2006/diagram" xmlns:o="urn:schemas-microsoft-com:office:office" xmlns:v="urn:schemas-microsoft-com:vml" xmlns:pvml="urn:schemas-microsoft-com:office:powerpoint" xmlns:com="http://schemas.openxmlformats.org/drawingml/2006/compatibility" xmlns:p14="http://schemas.microsoft.com/office/powerpoint/2010/main" xmlns:p15="http://schemas.microsoft.com/office/powerpoint/2012/main" xmlns:ahyp="http://schemas.microsoft.com/office/drawing/2018/hyperlinkcolor">
   <p:cSld>
     <p:spTree>
       <p:nvGrpSpPr>
-        <p:cNvPr id="462" name="Shape 462"/>
+        <p:cNvPr id="469" name="Shape 469"/>
         <p:cNvGrpSpPr/>
         <p:nvPr/>
       </p:nvGrpSpPr>
@@ -21573,7 +21816,7 @@
       </p:grpSpPr>
       <p:pic>
         <p:nvPicPr>
-          <p:cNvPr id="463" name="Google Shape;463;p40"/>
+          <p:cNvPr id="470" name="Google Shape;470;p41"/>
           <p:cNvPicPr preferRelativeResize="0"/>
           <p:nvPr/>
         </p:nvPicPr>
@@ -21601,7 +21844,7 @@
       </p:pic>
       <p:pic>
         <p:nvPicPr>
-          <p:cNvPr id="464" name="Google Shape;464;p40"/>
+          <p:cNvPr id="471" name="Google Shape;471;p41"/>
           <p:cNvPicPr preferRelativeResize="0"/>
           <p:nvPr/>
         </p:nvPicPr>
@@ -21629,7 +21872,7 @@
       </p:pic>
       <p:sp>
         <p:nvSpPr>
-          <p:cNvPr id="465" name="Google Shape;465;p40"/>
+          <p:cNvPr id="472" name="Google Shape;472;p41"/>
           <p:cNvSpPr txBox="1"/>
           <p:nvPr/>
         </p:nvSpPr>
@@ -21671,7 +21914,7 @@
       </p:sp>
       <p:sp>
         <p:nvSpPr>
-          <p:cNvPr id="466" name="Google Shape;466;p40"/>
+          <p:cNvPr id="473" name="Google Shape;473;p41"/>
           <p:cNvSpPr txBox="1"/>
           <p:nvPr/>
         </p:nvSpPr>
@@ -21708,251 +21951,6 @@
               <a:t>Pie Chart: Shows the distribution of people according to the ticket class</a:t>
             </a:r>
             <a:endParaRPr b="1" sz="1500"/>
-          </a:p>
-        </p:txBody>
-      </p:sp>
-    </p:spTree>
-  </p:cSld>
-  <p:clrMapOvr>
-    <a:masterClrMapping/>
-  </p:clrMapOvr>
-</p:sld>
-</file>
-
-<file path=ppt/slides/slide29.xml><?xml version="1.0" encoding="utf-8"?>
-<p:sld xmlns:a="http://schemas.openxmlformats.org/drawingml/2006/main" xmlns:r="http://schemas.openxmlformats.org/officeDocument/2006/relationships" xmlns:mc="http://schemas.openxmlformats.org/markup-compatibility/2006" xmlns:mv="urn:schemas-microsoft-com:mac:vml" xmlns:p="http://schemas.openxmlformats.org/presentationml/2006/main" xmlns:c="http://schemas.openxmlformats.org/drawingml/2006/chart" xmlns:dgm="http://schemas.openxmlformats.org/drawingml/2006/diagram" xmlns:o="urn:schemas-microsoft-com:office:office" xmlns:v="urn:schemas-microsoft-com:vml" xmlns:pvml="urn:schemas-microsoft-com:office:powerpoint" xmlns:com="http://schemas.openxmlformats.org/drawingml/2006/compatibility" xmlns:p14="http://schemas.microsoft.com/office/powerpoint/2010/main" xmlns:p15="http://schemas.microsoft.com/office/powerpoint/2012/main" xmlns:ahyp="http://schemas.microsoft.com/office/drawing/2018/hyperlinkcolor">
-  <p:cSld>
-    <p:spTree>
-      <p:nvGrpSpPr>
-        <p:cNvPr id="470" name="Shape 470"/>
-        <p:cNvGrpSpPr/>
-        <p:nvPr/>
-      </p:nvGrpSpPr>
-      <p:grpSpPr>
-        <a:xfrm>
-          <a:off x="0" y="0"/>
-          <a:ext cx="0" cy="0"/>
-          <a:chOff x="0" y="0"/>
-          <a:chExt cx="0" cy="0"/>
-        </a:xfrm>
-      </p:grpSpPr>
-      <p:sp>
-        <p:nvSpPr>
-          <p:cNvPr id="471" name="Google Shape;471;p41"/>
-          <p:cNvSpPr txBox="1"/>
-          <p:nvPr>
-            <p:ph type="title"/>
-          </p:nvPr>
-        </p:nvSpPr>
-        <p:spPr>
-          <a:xfrm>
-            <a:off x="1303800" y="598575"/>
-            <a:ext cx="7030500" cy="999300"/>
-          </a:xfrm>
-          <a:prstGeom prst="rect">
-            <a:avLst/>
-          </a:prstGeom>
-        </p:spPr>
-        <p:txBody>
-          <a:bodyPr anchorCtr="0" anchor="t" bIns="91425" lIns="91425" spcFirstLastPara="1" rIns="91425" wrap="square" tIns="91425">
-            <a:noAutofit/>
-          </a:bodyPr>
-          <a:lstStyle/>
-          <a:p>
-            <a:pPr indent="0" lvl="0" marL="0" rtl="0" algn="ctr">
-              <a:spcBef>
-                <a:spcPts val="0"/>
-              </a:spcBef>
-              <a:spcAft>
-                <a:spcPts val="0"/>
-              </a:spcAft>
-              <a:buNone/>
-            </a:pPr>
-            <a:r>
-              <a:rPr lang="en">
-                <a:solidFill>
-                  <a:srgbClr val="000000"/>
-                </a:solidFill>
-              </a:rPr>
-              <a:t>Conclusion</a:t>
-            </a:r>
-            <a:endParaRPr>
-              <a:solidFill>
-                <a:srgbClr val="000000"/>
-              </a:solidFill>
-            </a:endParaRPr>
-          </a:p>
-        </p:txBody>
-      </p:sp>
-      <p:sp>
-        <p:nvSpPr>
-          <p:cNvPr id="472" name="Google Shape;472;p41"/>
-          <p:cNvSpPr txBox="1"/>
-          <p:nvPr>
-            <p:ph idx="1" type="body"/>
-          </p:nvPr>
-        </p:nvSpPr>
-        <p:spPr>
-          <a:xfrm>
-            <a:off x="832625" y="1396675"/>
-            <a:ext cx="7501800" cy="2418600"/>
-          </a:xfrm>
-          <a:prstGeom prst="rect">
-            <a:avLst/>
-          </a:prstGeom>
-        </p:spPr>
-        <p:txBody>
-          <a:bodyPr anchorCtr="0" anchor="t" bIns="91425" lIns="91425" spcFirstLastPara="1" rIns="91425" wrap="square" tIns="91425">
-            <a:noAutofit/>
-          </a:bodyPr>
-          <a:lstStyle/>
-          <a:p>
-            <a:pPr indent="-323850" lvl="0" marL="457200" rtl="0" algn="l">
-              <a:spcBef>
-                <a:spcPts val="0"/>
-              </a:spcBef>
-              <a:spcAft>
-                <a:spcPts val="0"/>
-              </a:spcAft>
-              <a:buClr>
-                <a:srgbClr val="000000"/>
-              </a:buClr>
-              <a:buSzPts val="1500"/>
-              <a:buFont typeface="Arial"/>
-              <a:buChar char="●"/>
-            </a:pPr>
-            <a:r>
-              <a:rPr b="1" lang="en" sz="1500">
-                <a:solidFill>
-                  <a:srgbClr val="000000"/>
-                </a:solidFill>
-                <a:latin typeface="Arial"/>
-                <a:ea typeface="Arial"/>
-                <a:cs typeface="Arial"/>
-                <a:sym typeface="Arial"/>
-              </a:rPr>
-              <a:t>Successfully able to predict the survivals on the basis of features using machine learning algorithms. </a:t>
-            </a:r>
-            <a:endParaRPr b="1" sz="1500">
-              <a:solidFill>
-                <a:srgbClr val="000000"/>
-              </a:solidFill>
-              <a:latin typeface="Arial"/>
-              <a:ea typeface="Arial"/>
-              <a:cs typeface="Arial"/>
-              <a:sym typeface="Arial"/>
-            </a:endParaRPr>
-          </a:p>
-          <a:p>
-            <a:pPr indent="-323850" lvl="0" marL="457200" rtl="0" algn="l">
-              <a:spcBef>
-                <a:spcPts val="0"/>
-              </a:spcBef>
-              <a:spcAft>
-                <a:spcPts val="0"/>
-              </a:spcAft>
-              <a:buClr>
-                <a:srgbClr val="000000"/>
-              </a:buClr>
-              <a:buSzPts val="1500"/>
-              <a:buFont typeface="Arial"/>
-              <a:buChar char="●"/>
-            </a:pPr>
-            <a:r>
-              <a:rPr b="1" lang="en" sz="1500">
-                <a:solidFill>
-                  <a:srgbClr val="000000"/>
-                </a:solidFill>
-                <a:latin typeface="Arial"/>
-                <a:ea typeface="Arial"/>
-                <a:cs typeface="Arial"/>
-                <a:sym typeface="Arial"/>
-              </a:rPr>
-              <a:t>Able to fetch data from mongodb by applying various operations using python. </a:t>
-            </a:r>
-            <a:endParaRPr b="1" sz="1500">
-              <a:solidFill>
-                <a:srgbClr val="000000"/>
-              </a:solidFill>
-              <a:latin typeface="Arial"/>
-              <a:ea typeface="Arial"/>
-              <a:cs typeface="Arial"/>
-              <a:sym typeface="Arial"/>
-            </a:endParaRPr>
-          </a:p>
-          <a:p>
-            <a:pPr indent="-323850" lvl="0" marL="457200" rtl="0" algn="l">
-              <a:spcBef>
-                <a:spcPts val="0"/>
-              </a:spcBef>
-              <a:spcAft>
-                <a:spcPts val="0"/>
-              </a:spcAft>
-              <a:buClr>
-                <a:srgbClr val="000000"/>
-              </a:buClr>
-              <a:buSzPts val="1500"/>
-              <a:buFont typeface="Arial"/>
-              <a:buChar char="●"/>
-            </a:pPr>
-            <a:r>
-              <a:rPr b="1" lang="en" sz="1500">
-                <a:solidFill>
-                  <a:srgbClr val="000000"/>
-                </a:solidFill>
-                <a:latin typeface="Arial"/>
-                <a:ea typeface="Arial"/>
-                <a:cs typeface="Arial"/>
-                <a:sym typeface="Arial"/>
-              </a:rPr>
-              <a:t>Able to visualise the data according to different conditions applied in D3 and matplotlib and seaborn.</a:t>
-            </a:r>
-            <a:endParaRPr b="1" sz="1500">
-              <a:solidFill>
-                <a:srgbClr val="000000"/>
-              </a:solidFill>
-              <a:latin typeface="Arial"/>
-              <a:ea typeface="Arial"/>
-              <a:cs typeface="Arial"/>
-              <a:sym typeface="Arial"/>
-            </a:endParaRPr>
-          </a:p>
-          <a:p>
-            <a:pPr indent="-323850" lvl="0" marL="457200" rtl="0" algn="l">
-              <a:spcBef>
-                <a:spcPts val="0"/>
-              </a:spcBef>
-              <a:spcAft>
-                <a:spcPts val="0"/>
-              </a:spcAft>
-              <a:buClr>
-                <a:srgbClr val="000000"/>
-              </a:buClr>
-              <a:buSzPts val="1500"/>
-              <a:buFont typeface="Arial"/>
-              <a:buChar char="●"/>
-            </a:pPr>
-            <a:r>
-              <a:rPr b="1" lang="en" sz="1500">
-                <a:solidFill>
-                  <a:srgbClr val="000000"/>
-                </a:solidFill>
-                <a:latin typeface="Arial"/>
-                <a:ea typeface="Arial"/>
-                <a:cs typeface="Arial"/>
-                <a:sym typeface="Arial"/>
-              </a:rPr>
-              <a:t>With the help of aggregation pipeline method and map reduce function data can be grouped according to different conditions.</a:t>
-            </a:r>
-            <a:endParaRPr b="1" sz="1500">
-              <a:solidFill>
-                <a:srgbClr val="000000"/>
-              </a:solidFill>
-              <a:latin typeface="Arial"/>
-              <a:ea typeface="Arial"/>
-              <a:cs typeface="Arial"/>
-              <a:sym typeface="Arial"/>
-            </a:endParaRPr>
           </a:p>
         </p:txBody>
       </p:sp>
@@ -22067,8 +22065,8 @@
         </p:nvSpPr>
         <p:spPr>
           <a:xfrm>
-            <a:off x="570000" y="569800"/>
-            <a:ext cx="7764300" cy="3711300"/>
+            <a:off x="570000" y="887300"/>
+            <a:ext cx="7764300" cy="3933000"/>
           </a:xfrm>
           <a:prstGeom prst="rect">
             <a:avLst/>
@@ -22361,7 +22359,7 @@
   <p:cSld>
     <p:spTree>
       <p:nvGrpSpPr>
-        <p:cNvPr id="476" name="Shape 476"/>
+        <p:cNvPr id="477" name="Shape 477"/>
         <p:cNvGrpSpPr/>
         <p:nvPr/>
       </p:nvGrpSpPr>
@@ -22375,7 +22373,252 @@
       </p:grpSpPr>
       <p:sp>
         <p:nvSpPr>
-          <p:cNvPr id="477" name="Google Shape;477;p42"/>
+          <p:cNvPr id="478" name="Google Shape;478;p42"/>
+          <p:cNvSpPr txBox="1"/>
+          <p:nvPr>
+            <p:ph type="title"/>
+          </p:nvPr>
+        </p:nvSpPr>
+        <p:spPr>
+          <a:xfrm>
+            <a:off x="1303800" y="598575"/>
+            <a:ext cx="7030500" cy="999300"/>
+          </a:xfrm>
+          <a:prstGeom prst="rect">
+            <a:avLst/>
+          </a:prstGeom>
+        </p:spPr>
+        <p:txBody>
+          <a:bodyPr anchorCtr="0" anchor="t" bIns="91425" lIns="91425" spcFirstLastPara="1" rIns="91425" wrap="square" tIns="91425">
+            <a:noAutofit/>
+          </a:bodyPr>
+          <a:lstStyle/>
+          <a:p>
+            <a:pPr indent="0" lvl="0" marL="0" rtl="0" algn="ctr">
+              <a:spcBef>
+                <a:spcPts val="0"/>
+              </a:spcBef>
+              <a:spcAft>
+                <a:spcPts val="0"/>
+              </a:spcAft>
+              <a:buNone/>
+            </a:pPr>
+            <a:r>
+              <a:rPr lang="en">
+                <a:solidFill>
+                  <a:srgbClr val="000000"/>
+                </a:solidFill>
+              </a:rPr>
+              <a:t>Conclusion</a:t>
+            </a:r>
+            <a:endParaRPr>
+              <a:solidFill>
+                <a:srgbClr val="000000"/>
+              </a:solidFill>
+            </a:endParaRPr>
+          </a:p>
+        </p:txBody>
+      </p:sp>
+      <p:sp>
+        <p:nvSpPr>
+          <p:cNvPr id="479" name="Google Shape;479;p42"/>
+          <p:cNvSpPr txBox="1"/>
+          <p:nvPr>
+            <p:ph idx="1" type="body"/>
+          </p:nvPr>
+        </p:nvSpPr>
+        <p:spPr>
+          <a:xfrm>
+            <a:off x="832625" y="1396675"/>
+            <a:ext cx="7501800" cy="2418600"/>
+          </a:xfrm>
+          <a:prstGeom prst="rect">
+            <a:avLst/>
+          </a:prstGeom>
+        </p:spPr>
+        <p:txBody>
+          <a:bodyPr anchorCtr="0" anchor="t" bIns="91425" lIns="91425" spcFirstLastPara="1" rIns="91425" wrap="square" tIns="91425">
+            <a:noAutofit/>
+          </a:bodyPr>
+          <a:lstStyle/>
+          <a:p>
+            <a:pPr indent="-323850" lvl="0" marL="457200" rtl="0" algn="l">
+              <a:spcBef>
+                <a:spcPts val="0"/>
+              </a:spcBef>
+              <a:spcAft>
+                <a:spcPts val="0"/>
+              </a:spcAft>
+              <a:buClr>
+                <a:srgbClr val="000000"/>
+              </a:buClr>
+              <a:buSzPts val="1500"/>
+              <a:buFont typeface="Arial"/>
+              <a:buChar char="●"/>
+            </a:pPr>
+            <a:r>
+              <a:rPr b="1" lang="en" sz="1500">
+                <a:solidFill>
+                  <a:srgbClr val="000000"/>
+                </a:solidFill>
+                <a:latin typeface="Arial"/>
+                <a:ea typeface="Arial"/>
+                <a:cs typeface="Arial"/>
+                <a:sym typeface="Arial"/>
+              </a:rPr>
+              <a:t>Successfully able to predict the survivals on the basis of features using machine learning algorithms. </a:t>
+            </a:r>
+            <a:endParaRPr b="1" sz="1500">
+              <a:solidFill>
+                <a:srgbClr val="000000"/>
+              </a:solidFill>
+              <a:latin typeface="Arial"/>
+              <a:ea typeface="Arial"/>
+              <a:cs typeface="Arial"/>
+              <a:sym typeface="Arial"/>
+            </a:endParaRPr>
+          </a:p>
+          <a:p>
+            <a:pPr indent="-323850" lvl="0" marL="457200" rtl="0" algn="l">
+              <a:spcBef>
+                <a:spcPts val="0"/>
+              </a:spcBef>
+              <a:spcAft>
+                <a:spcPts val="0"/>
+              </a:spcAft>
+              <a:buClr>
+                <a:srgbClr val="000000"/>
+              </a:buClr>
+              <a:buSzPts val="1500"/>
+              <a:buFont typeface="Arial"/>
+              <a:buChar char="●"/>
+            </a:pPr>
+            <a:r>
+              <a:rPr b="1" lang="en" sz="1500">
+                <a:solidFill>
+                  <a:srgbClr val="000000"/>
+                </a:solidFill>
+                <a:latin typeface="Arial"/>
+                <a:ea typeface="Arial"/>
+                <a:cs typeface="Arial"/>
+                <a:sym typeface="Arial"/>
+              </a:rPr>
+              <a:t>Able to fetch data from mongodb by applying various operations using python. </a:t>
+            </a:r>
+            <a:endParaRPr b="1" sz="1500">
+              <a:solidFill>
+                <a:srgbClr val="000000"/>
+              </a:solidFill>
+              <a:latin typeface="Arial"/>
+              <a:ea typeface="Arial"/>
+              <a:cs typeface="Arial"/>
+              <a:sym typeface="Arial"/>
+            </a:endParaRPr>
+          </a:p>
+          <a:p>
+            <a:pPr indent="-323850" lvl="0" marL="457200" rtl="0" algn="l">
+              <a:spcBef>
+                <a:spcPts val="0"/>
+              </a:spcBef>
+              <a:spcAft>
+                <a:spcPts val="0"/>
+              </a:spcAft>
+              <a:buClr>
+                <a:srgbClr val="000000"/>
+              </a:buClr>
+              <a:buSzPts val="1500"/>
+              <a:buFont typeface="Arial"/>
+              <a:buChar char="●"/>
+            </a:pPr>
+            <a:r>
+              <a:rPr b="1" lang="en" sz="1500">
+                <a:solidFill>
+                  <a:srgbClr val="000000"/>
+                </a:solidFill>
+                <a:latin typeface="Arial"/>
+                <a:ea typeface="Arial"/>
+                <a:cs typeface="Arial"/>
+                <a:sym typeface="Arial"/>
+              </a:rPr>
+              <a:t>Able to visualise the data according to different conditions applied in D3 and matplotlib and seaborn.</a:t>
+            </a:r>
+            <a:endParaRPr b="1" sz="1500">
+              <a:solidFill>
+                <a:srgbClr val="000000"/>
+              </a:solidFill>
+              <a:latin typeface="Arial"/>
+              <a:ea typeface="Arial"/>
+              <a:cs typeface="Arial"/>
+              <a:sym typeface="Arial"/>
+            </a:endParaRPr>
+          </a:p>
+          <a:p>
+            <a:pPr indent="-323850" lvl="0" marL="457200" rtl="0" algn="l">
+              <a:spcBef>
+                <a:spcPts val="0"/>
+              </a:spcBef>
+              <a:spcAft>
+                <a:spcPts val="0"/>
+              </a:spcAft>
+              <a:buClr>
+                <a:srgbClr val="000000"/>
+              </a:buClr>
+              <a:buSzPts val="1500"/>
+              <a:buFont typeface="Arial"/>
+              <a:buChar char="●"/>
+            </a:pPr>
+            <a:r>
+              <a:rPr b="1" lang="en" sz="1500">
+                <a:solidFill>
+                  <a:srgbClr val="000000"/>
+                </a:solidFill>
+                <a:latin typeface="Arial"/>
+                <a:ea typeface="Arial"/>
+                <a:cs typeface="Arial"/>
+                <a:sym typeface="Arial"/>
+              </a:rPr>
+              <a:t>With the help of aggregation pipeline method and map reduce function data can be grouped according to different conditions.</a:t>
+            </a:r>
+            <a:endParaRPr b="1" sz="1500">
+              <a:solidFill>
+                <a:srgbClr val="000000"/>
+              </a:solidFill>
+              <a:latin typeface="Arial"/>
+              <a:ea typeface="Arial"/>
+              <a:cs typeface="Arial"/>
+              <a:sym typeface="Arial"/>
+            </a:endParaRPr>
+          </a:p>
+        </p:txBody>
+      </p:sp>
+    </p:spTree>
+  </p:cSld>
+  <p:clrMapOvr>
+    <a:masterClrMapping/>
+  </p:clrMapOvr>
+</p:sld>
+</file>
+
+<file path=ppt/slides/slide31.xml><?xml version="1.0" encoding="utf-8"?>
+<p:sld xmlns:a="http://schemas.openxmlformats.org/drawingml/2006/main" xmlns:r="http://schemas.openxmlformats.org/officeDocument/2006/relationships" xmlns:mc="http://schemas.openxmlformats.org/markup-compatibility/2006" xmlns:mv="urn:schemas-microsoft-com:mac:vml" xmlns:p="http://schemas.openxmlformats.org/presentationml/2006/main" xmlns:c="http://schemas.openxmlformats.org/drawingml/2006/chart" xmlns:dgm="http://schemas.openxmlformats.org/drawingml/2006/diagram" xmlns:o="urn:schemas-microsoft-com:office:office" xmlns:v="urn:schemas-microsoft-com:vml" xmlns:pvml="urn:schemas-microsoft-com:office:powerpoint" xmlns:com="http://schemas.openxmlformats.org/drawingml/2006/compatibility" xmlns:p14="http://schemas.microsoft.com/office/powerpoint/2010/main" xmlns:p15="http://schemas.microsoft.com/office/powerpoint/2012/main" xmlns:ahyp="http://schemas.microsoft.com/office/drawing/2018/hyperlinkcolor">
+  <p:cSld>
+    <p:spTree>
+      <p:nvGrpSpPr>
+        <p:cNvPr id="483" name="Shape 483"/>
+        <p:cNvGrpSpPr/>
+        <p:nvPr/>
+      </p:nvGrpSpPr>
+      <p:grpSpPr>
+        <a:xfrm>
+          <a:off x="0" y="0"/>
+          <a:ext cx="0" cy="0"/>
+          <a:chOff x="0" y="0"/>
+          <a:chExt cx="0" cy="0"/>
+        </a:xfrm>
+      </p:grpSpPr>
+      <p:sp>
+        <p:nvSpPr>
+          <p:cNvPr id="484" name="Google Shape;484;p43"/>
           <p:cNvSpPr txBox="1"/>
           <p:nvPr/>
         </p:nvSpPr>
@@ -22969,9 +23212,162 @@
           <a:chExt cx="0" cy="0"/>
         </a:xfrm>
       </p:grpSpPr>
+      <p:pic>
+        <p:nvPicPr>
+          <p:cNvPr id="312" name="Google Shape;312;p18"/>
+          <p:cNvPicPr preferRelativeResize="0"/>
+          <p:nvPr/>
+        </p:nvPicPr>
+        <p:blipFill>
+          <a:blip r:embed="rId3">
+            <a:alphaModFix/>
+          </a:blip>
+          <a:stretch>
+            <a:fillRect/>
+          </a:stretch>
+        </p:blipFill>
+        <p:spPr>
+          <a:xfrm>
+            <a:off x="83700" y="2445050"/>
+            <a:ext cx="8839200" cy="1542299"/>
+          </a:xfrm>
+          <a:prstGeom prst="rect">
+            <a:avLst/>
+          </a:prstGeom>
+          <a:noFill/>
+          <a:ln>
+            <a:noFill/>
+          </a:ln>
+        </p:spPr>
+      </p:pic>
       <p:sp>
         <p:nvSpPr>
-          <p:cNvPr id="312" name="Google Shape;312;p18"/>
+          <p:cNvPr id="313" name="Google Shape;313;p18"/>
+          <p:cNvSpPr txBox="1"/>
+          <p:nvPr/>
+        </p:nvSpPr>
+        <p:spPr>
+          <a:xfrm>
+            <a:off x="366375" y="1308050"/>
+            <a:ext cx="8423700" cy="996000"/>
+          </a:xfrm>
+          <a:prstGeom prst="rect">
+            <a:avLst/>
+          </a:prstGeom>
+          <a:noFill/>
+          <a:ln>
+            <a:noFill/>
+          </a:ln>
+        </p:spPr>
+        <p:txBody>
+          <a:bodyPr anchorCtr="0" anchor="t" bIns="91425" lIns="91425" spcFirstLastPara="1" rIns="91425" wrap="square" tIns="91425">
+            <a:noAutofit/>
+          </a:bodyPr>
+          <a:lstStyle/>
+          <a:p>
+            <a:pPr indent="0" lvl="0" marL="0" rtl="0" algn="l">
+              <a:spcBef>
+                <a:spcPts val="0"/>
+              </a:spcBef>
+              <a:spcAft>
+                <a:spcPts val="0"/>
+              </a:spcAft>
+              <a:buNone/>
+            </a:pPr>
+            <a:r>
+              <a:rPr b="1" lang="en" sz="1500"/>
+              <a:t>The following line imports the data from csv file to the MongoDB database. This command is run in the Mongo Shell with the following parameters to import the data. </a:t>
+            </a:r>
+            <a:endParaRPr b="1" sz="1500"/>
+          </a:p>
+          <a:p>
+            <a:pPr indent="0" lvl="0" marL="0" rtl="0" algn="l">
+              <a:spcBef>
+                <a:spcPts val="0"/>
+              </a:spcBef>
+              <a:spcAft>
+                <a:spcPts val="0"/>
+              </a:spcAft>
+              <a:buNone/>
+            </a:pPr>
+            <a:r>
+              <a:rPr b="1" lang="en" sz="1500"/>
+              <a:t>The data is converted from csv format to MongoDB compatible format[BSON].</a:t>
+            </a:r>
+            <a:endParaRPr b="1" sz="1500"/>
+          </a:p>
+        </p:txBody>
+      </p:sp>
+      <p:sp>
+        <p:nvSpPr>
+          <p:cNvPr id="314" name="Google Shape;314;p18"/>
+          <p:cNvSpPr txBox="1"/>
+          <p:nvPr/>
+        </p:nvSpPr>
+        <p:spPr>
+          <a:xfrm>
+            <a:off x="263325" y="200350"/>
+            <a:ext cx="4602600" cy="626700"/>
+          </a:xfrm>
+          <a:prstGeom prst="rect">
+            <a:avLst/>
+          </a:prstGeom>
+          <a:noFill/>
+          <a:ln>
+            <a:noFill/>
+          </a:ln>
+        </p:spPr>
+        <p:txBody>
+          <a:bodyPr anchorCtr="0" anchor="t" bIns="91425" lIns="91425" spcFirstLastPara="1" rIns="91425" wrap="square" tIns="91425">
+            <a:noAutofit/>
+          </a:bodyPr>
+          <a:lstStyle/>
+          <a:p>
+            <a:pPr indent="0" lvl="0" marL="0" rtl="0" algn="l">
+              <a:spcBef>
+                <a:spcPts val="0"/>
+              </a:spcBef>
+              <a:spcAft>
+                <a:spcPts val="0"/>
+              </a:spcAft>
+              <a:buNone/>
+            </a:pPr>
+            <a:r>
+              <a:rPr b="1" lang="en" sz="2500"/>
+              <a:t>Importing Data:</a:t>
+            </a:r>
+            <a:endParaRPr b="1" sz="2500"/>
+          </a:p>
+        </p:txBody>
+      </p:sp>
+    </p:spTree>
+  </p:cSld>
+  <p:clrMapOvr>
+    <a:masterClrMapping/>
+  </p:clrMapOvr>
+</p:sld>
+</file>
+
+<file path=ppt/slides/slide7.xml><?xml version="1.0" encoding="utf-8"?>
+<p:sld xmlns:a="http://schemas.openxmlformats.org/drawingml/2006/main" xmlns:r="http://schemas.openxmlformats.org/officeDocument/2006/relationships" xmlns:mc="http://schemas.openxmlformats.org/markup-compatibility/2006" xmlns:mv="urn:schemas-microsoft-com:mac:vml" xmlns:p="http://schemas.openxmlformats.org/presentationml/2006/main" xmlns:c="http://schemas.openxmlformats.org/drawingml/2006/chart" xmlns:dgm="http://schemas.openxmlformats.org/drawingml/2006/diagram" xmlns:o="urn:schemas-microsoft-com:office:office" xmlns:v="urn:schemas-microsoft-com:vml" xmlns:pvml="urn:schemas-microsoft-com:office:powerpoint" xmlns:com="http://schemas.openxmlformats.org/drawingml/2006/compatibility" xmlns:p14="http://schemas.microsoft.com/office/powerpoint/2010/main" xmlns:p15="http://schemas.microsoft.com/office/powerpoint/2012/main" xmlns:ahyp="http://schemas.microsoft.com/office/drawing/2018/hyperlinkcolor">
+  <p:cSld>
+    <p:spTree>
+      <p:nvGrpSpPr>
+        <p:cNvPr id="318" name="Shape 318"/>
+        <p:cNvGrpSpPr/>
+        <p:nvPr/>
+      </p:nvGrpSpPr>
+      <p:grpSpPr>
+        <a:xfrm>
+          <a:off x="0" y="0"/>
+          <a:ext cx="0" cy="0"/>
+          <a:chOff x="0" y="0"/>
+          <a:chExt cx="0" cy="0"/>
+        </a:xfrm>
+      </p:grpSpPr>
+      <p:sp>
+        <p:nvSpPr>
+          <p:cNvPr id="319" name="Google Shape;319;p19"/>
           <p:cNvSpPr txBox="1"/>
           <p:nvPr>
             <p:ph type="title"/>
@@ -23019,7 +23415,7 @@
       </p:sp>
       <p:pic>
         <p:nvPicPr>
-          <p:cNvPr id="313" name="Google Shape;313;p18"/>
+          <p:cNvPr id="320" name="Google Shape;320;p19"/>
           <p:cNvPicPr preferRelativeResize="0"/>
           <p:nvPr/>
         </p:nvPicPr>
@@ -23046,7 +23442,7 @@
       </p:pic>
       <p:pic>
         <p:nvPicPr>
-          <p:cNvPr id="314" name="Google Shape;314;p18"/>
+          <p:cNvPr id="321" name="Google Shape;321;p19"/>
           <p:cNvPicPr preferRelativeResize="0"/>
           <p:nvPr/>
         </p:nvPicPr>
@@ -23074,7 +23470,7 @@
       </p:pic>
       <p:sp>
         <p:nvSpPr>
-          <p:cNvPr id="315" name="Google Shape;315;p18"/>
+          <p:cNvPr id="322" name="Google Shape;322;p19"/>
           <p:cNvSpPr txBox="1"/>
           <p:nvPr/>
         </p:nvSpPr>
@@ -23130,12 +23526,12 @@
 </p:sld>
 </file>
 
-<file path=ppt/slides/slide7.xml><?xml version="1.0" encoding="utf-8"?>
+<file path=ppt/slides/slide8.xml><?xml version="1.0" encoding="utf-8"?>
 <p:sld xmlns:a="http://schemas.openxmlformats.org/drawingml/2006/main" xmlns:r="http://schemas.openxmlformats.org/officeDocument/2006/relationships" xmlns:mc="http://schemas.openxmlformats.org/markup-compatibility/2006" xmlns:mv="urn:schemas-microsoft-com:mac:vml" xmlns:p="http://schemas.openxmlformats.org/presentationml/2006/main" xmlns:c="http://schemas.openxmlformats.org/drawingml/2006/chart" xmlns:dgm="http://schemas.openxmlformats.org/drawingml/2006/diagram" xmlns:o="urn:schemas-microsoft-com:office:office" xmlns:v="urn:schemas-microsoft-com:vml" xmlns:pvml="urn:schemas-microsoft-com:office:powerpoint" xmlns:com="http://schemas.openxmlformats.org/drawingml/2006/compatibility" xmlns:p14="http://schemas.microsoft.com/office/powerpoint/2010/main" xmlns:p15="http://schemas.microsoft.com/office/powerpoint/2012/main" xmlns:ahyp="http://schemas.microsoft.com/office/drawing/2018/hyperlinkcolor">
   <p:cSld>
     <p:spTree>
       <p:nvGrpSpPr>
-        <p:cNvPr id="319" name="Shape 319"/>
+        <p:cNvPr id="326" name="Shape 326"/>
         <p:cNvGrpSpPr/>
         <p:nvPr/>
       </p:nvGrpSpPr>
@@ -23149,7 +23545,7 @@
       </p:grpSpPr>
       <p:sp>
         <p:nvSpPr>
-          <p:cNvPr id="320" name="Google Shape;320;p19"/>
+          <p:cNvPr id="327" name="Google Shape;327;p20"/>
           <p:cNvSpPr txBox="1"/>
           <p:nvPr>
             <p:ph type="title"/>
@@ -23197,7 +23593,7 @@
       </p:sp>
       <p:pic>
         <p:nvPicPr>
-          <p:cNvPr id="321" name="Google Shape;321;p19"/>
+          <p:cNvPr id="328" name="Google Shape;328;p20"/>
           <p:cNvPicPr preferRelativeResize="0"/>
           <p:nvPr/>
         </p:nvPicPr>
@@ -23224,7 +23620,7 @@
       </p:pic>
       <p:pic>
         <p:nvPicPr>
-          <p:cNvPr id="322" name="Google Shape;322;p19"/>
+          <p:cNvPr id="329" name="Google Shape;329;p20"/>
           <p:cNvPicPr preferRelativeResize="0"/>
           <p:nvPr/>
         </p:nvPicPr>
@@ -23252,7 +23648,7 @@
       </p:pic>
       <p:sp>
         <p:nvSpPr>
-          <p:cNvPr id="323" name="Google Shape;323;p19"/>
+          <p:cNvPr id="330" name="Google Shape;330;p20"/>
           <p:cNvSpPr txBox="1"/>
           <p:nvPr/>
         </p:nvSpPr>
@@ -23314,199 +23710,6 @@
               <a:t/>
             </a:r>
             <a:endParaRPr sz="1500">
-              <a:latin typeface="Nunito"/>
-              <a:ea typeface="Nunito"/>
-              <a:cs typeface="Nunito"/>
-              <a:sym typeface="Nunito"/>
-            </a:endParaRPr>
-          </a:p>
-        </p:txBody>
-      </p:sp>
-    </p:spTree>
-  </p:cSld>
-  <p:clrMapOvr>
-    <a:masterClrMapping/>
-  </p:clrMapOvr>
-</p:sld>
-</file>
-
-<file path=ppt/slides/slide8.xml><?xml version="1.0" encoding="utf-8"?>
-<p:sld xmlns:a="http://schemas.openxmlformats.org/drawingml/2006/main" xmlns:r="http://schemas.openxmlformats.org/officeDocument/2006/relationships" xmlns:mc="http://schemas.openxmlformats.org/markup-compatibility/2006" xmlns:mv="urn:schemas-microsoft-com:mac:vml" xmlns:p="http://schemas.openxmlformats.org/presentationml/2006/main" xmlns:c="http://schemas.openxmlformats.org/drawingml/2006/chart" xmlns:dgm="http://schemas.openxmlformats.org/drawingml/2006/diagram" xmlns:o="urn:schemas-microsoft-com:office:office" xmlns:v="urn:schemas-microsoft-com:vml" xmlns:pvml="urn:schemas-microsoft-com:office:powerpoint" xmlns:com="http://schemas.openxmlformats.org/drawingml/2006/compatibility" xmlns:p14="http://schemas.microsoft.com/office/powerpoint/2010/main" xmlns:p15="http://schemas.microsoft.com/office/powerpoint/2012/main" xmlns:ahyp="http://schemas.microsoft.com/office/drawing/2018/hyperlinkcolor">
-  <p:cSld>
-    <p:spTree>
-      <p:nvGrpSpPr>
-        <p:cNvPr id="327" name="Shape 327"/>
-        <p:cNvGrpSpPr/>
-        <p:nvPr/>
-      </p:nvGrpSpPr>
-      <p:grpSpPr>
-        <a:xfrm>
-          <a:off x="0" y="0"/>
-          <a:ext cx="0" cy="0"/>
-          <a:chOff x="0" y="0"/>
-          <a:chExt cx="0" cy="0"/>
-        </a:xfrm>
-      </p:grpSpPr>
-      <p:sp>
-        <p:nvSpPr>
-          <p:cNvPr id="328" name="Google Shape;328;p20"/>
-          <p:cNvSpPr txBox="1"/>
-          <p:nvPr/>
-        </p:nvSpPr>
-        <p:spPr>
-          <a:xfrm>
-            <a:off x="1342950" y="159800"/>
-            <a:ext cx="6244800" cy="631200"/>
-          </a:xfrm>
-          <a:prstGeom prst="rect">
-            <a:avLst/>
-          </a:prstGeom>
-          <a:noFill/>
-          <a:ln>
-            <a:noFill/>
-          </a:ln>
-        </p:spPr>
-        <p:txBody>
-          <a:bodyPr anchorCtr="0" anchor="t" bIns="91425" lIns="91425" spcFirstLastPara="1" rIns="91425" wrap="square" tIns="91425">
-            <a:noAutofit/>
-          </a:bodyPr>
-          <a:lstStyle/>
-          <a:p>
-            <a:pPr indent="0" lvl="0" marL="0" rtl="0" algn="ctr">
-              <a:spcBef>
-                <a:spcPts val="0"/>
-              </a:spcBef>
-              <a:spcAft>
-                <a:spcPts val="0"/>
-              </a:spcAft>
-              <a:buNone/>
-            </a:pPr>
-            <a:r>
-              <a:rPr b="1" lang="en" sz="2800">
-                <a:latin typeface="Maven Pro"/>
-                <a:ea typeface="Maven Pro"/>
-                <a:cs typeface="Maven Pro"/>
-                <a:sym typeface="Maven Pro"/>
-              </a:rPr>
-              <a:t>Inserting documents</a:t>
-            </a:r>
-            <a:endParaRPr b="1" sz="2400">
-              <a:latin typeface="Nunito"/>
-              <a:ea typeface="Nunito"/>
-              <a:cs typeface="Nunito"/>
-              <a:sym typeface="Nunito"/>
-            </a:endParaRPr>
-          </a:p>
-        </p:txBody>
-      </p:sp>
-      <p:pic>
-        <p:nvPicPr>
-          <p:cNvPr id="329" name="Google Shape;329;p20"/>
-          <p:cNvPicPr preferRelativeResize="0"/>
-          <p:nvPr/>
-        </p:nvPicPr>
-        <p:blipFill>
-          <a:blip r:embed="rId3">
-            <a:alphaModFix/>
-          </a:blip>
-          <a:stretch>
-            <a:fillRect/>
-          </a:stretch>
-        </p:blipFill>
-        <p:spPr>
-          <a:xfrm>
-            <a:off x="700850" y="2034800"/>
-            <a:ext cx="7850100" cy="2815600"/>
-          </a:xfrm>
-          <a:prstGeom prst="rect">
-            <a:avLst/>
-          </a:prstGeom>
-          <a:noFill/>
-          <a:ln>
-            <a:noFill/>
-          </a:ln>
-        </p:spPr>
-      </p:pic>
-      <p:sp>
-        <p:nvSpPr>
-          <p:cNvPr id="330" name="Google Shape;330;p20"/>
-          <p:cNvSpPr txBox="1"/>
-          <p:nvPr/>
-        </p:nvSpPr>
-        <p:spPr>
-          <a:xfrm>
-            <a:off x="926625" y="1141500"/>
-            <a:ext cx="7211700" cy="631200"/>
-          </a:xfrm>
-          <a:prstGeom prst="rect">
-            <a:avLst/>
-          </a:prstGeom>
-          <a:noFill/>
-          <a:ln>
-            <a:noFill/>
-          </a:ln>
-        </p:spPr>
-        <p:txBody>
-          <a:bodyPr anchorCtr="0" anchor="t" bIns="91425" lIns="91425" spcFirstLastPara="1" rIns="91425" wrap="square" tIns="91425">
-            <a:noAutofit/>
-          </a:bodyPr>
-          <a:lstStyle/>
-          <a:p>
-            <a:pPr indent="0" lvl="0" marL="0" rtl="0" algn="l">
-              <a:spcBef>
-                <a:spcPts val="0"/>
-              </a:spcBef>
-              <a:spcAft>
-                <a:spcPts val="0"/>
-              </a:spcAft>
-              <a:buNone/>
-            </a:pPr>
-            <a:r>
-              <a:rPr b="1" lang="en" sz="1600"/>
-              <a:t>We insert five new hard-coded documents in the database by using the ‘insert_many()’ from Pymongo</a:t>
-            </a:r>
-            <a:endParaRPr b="1" sz="1600"/>
-          </a:p>
-          <a:p>
-            <a:pPr indent="0" lvl="0" marL="0" rtl="0" algn="l">
-              <a:spcBef>
-                <a:spcPts val="0"/>
-              </a:spcBef>
-              <a:spcAft>
-                <a:spcPts val="0"/>
-              </a:spcAft>
-              <a:buNone/>
-            </a:pPr>
-            <a:r>
-              <a:t/>
-            </a:r>
-            <a:endParaRPr sz="1700">
-              <a:solidFill>
-                <a:srgbClr val="D5D5D5"/>
-              </a:solidFill>
-              <a:highlight>
-                <a:srgbClr val="383838"/>
-              </a:highlight>
-              <a:latin typeface="Roboto"/>
-              <a:ea typeface="Roboto"/>
-              <a:cs typeface="Roboto"/>
-              <a:sym typeface="Roboto"/>
-            </a:endParaRPr>
-          </a:p>
-          <a:p>
-            <a:pPr indent="0" lvl="0" marL="0" rtl="0" algn="l">
-              <a:spcBef>
-                <a:spcPts val="0"/>
-              </a:spcBef>
-              <a:spcAft>
-                <a:spcPts val="0"/>
-              </a:spcAft>
-              <a:buNone/>
-            </a:pPr>
-            <a:r>
-              <a:t/>
-            </a:r>
-            <a:endParaRPr>
               <a:latin typeface="Nunito"/>
               <a:ea typeface="Nunito"/>
               <a:cs typeface="Nunito"/>
@@ -23544,18 +23747,20 @@
         <p:nvSpPr>
           <p:cNvPr id="335" name="Google Shape;335;p21"/>
           <p:cNvSpPr txBox="1"/>
-          <p:nvPr>
-            <p:ph type="title"/>
-          </p:nvPr>
+          <p:nvPr/>
         </p:nvSpPr>
         <p:spPr>
           <a:xfrm>
-            <a:off x="1056750" y="119325"/>
-            <a:ext cx="7030500" cy="590700"/>
+            <a:off x="1342950" y="159800"/>
+            <a:ext cx="6244800" cy="631200"/>
           </a:xfrm>
           <a:prstGeom prst="rect">
             <a:avLst/>
           </a:prstGeom>
+          <a:noFill/>
+          <a:ln>
+            <a:noFill/>
+          </a:ln>
         </p:spPr>
         <p:txBody>
           <a:bodyPr anchorCtr="0" anchor="t" bIns="91425" lIns="91425" spcFirstLastPara="1" rIns="91425" wrap="square" tIns="91425">
@@ -23573,17 +23778,19 @@
               <a:buNone/>
             </a:pPr>
             <a:r>
-              <a:rPr lang="en">
-                <a:solidFill>
-                  <a:srgbClr val="000000"/>
-                </a:solidFill>
+              <a:rPr b="1" lang="en" sz="2800">
+                <a:latin typeface="Maven Pro"/>
+                <a:ea typeface="Maven Pro"/>
+                <a:cs typeface="Maven Pro"/>
+                <a:sym typeface="Maven Pro"/>
               </a:rPr>
-              <a:t>Updating records</a:t>
+              <a:t>Inserting documents</a:t>
             </a:r>
-            <a:endParaRPr>
-              <a:solidFill>
-                <a:srgbClr val="000000"/>
-              </a:solidFill>
+            <a:endParaRPr b="1" sz="2400">
+              <a:latin typeface="Nunito"/>
+              <a:ea typeface="Nunito"/>
+              <a:cs typeface="Nunito"/>
+              <a:sym typeface="Nunito"/>
             </a:endParaRPr>
           </a:p>
         </p:txBody>
@@ -23604,8 +23811,8 @@
         </p:blipFill>
         <p:spPr>
           <a:xfrm>
-            <a:off x="668375" y="1832710"/>
-            <a:ext cx="7849125" cy="3251790"/>
+            <a:off x="700850" y="2034800"/>
+            <a:ext cx="7850100" cy="2815600"/>
           </a:xfrm>
           <a:prstGeom prst="rect">
             <a:avLst/>
@@ -23624,8 +23831,8 @@
         </p:nvSpPr>
         <p:spPr>
           <a:xfrm>
-            <a:off x="322300" y="752050"/>
-            <a:ext cx="8541300" cy="1080600"/>
+            <a:off x="926625" y="1141500"/>
+            <a:ext cx="7211700" cy="631200"/>
           </a:xfrm>
           <a:prstGeom prst="rect">
             <a:avLst/>
@@ -23652,9 +23859,55 @@
             </a:pPr>
             <a:r>
               <a:rPr b="1" lang="en" sz="1600"/>
-              <a:t>We can update the specific attributes/values in the documents by running the ‘update_one()’ and ‘update_many()’ functions. Both functions take two parameters, one for finding the document from specific parameters and other for setting new values for the attribute in that document</a:t>
+              <a:t>We insert five new hard-coded documents in the database by using the ‘insert_many()’ from Pymongo</a:t>
             </a:r>
-            <a:endParaRPr b="1" sz="1900"/>
+            <a:endParaRPr b="1" sz="1600"/>
+          </a:p>
+          <a:p>
+            <a:pPr indent="0" lvl="0" marL="0" rtl="0" algn="l">
+              <a:spcBef>
+                <a:spcPts val="0"/>
+              </a:spcBef>
+              <a:spcAft>
+                <a:spcPts val="0"/>
+              </a:spcAft>
+              <a:buNone/>
+            </a:pPr>
+            <a:r>
+              <a:t/>
+            </a:r>
+            <a:endParaRPr sz="1700">
+              <a:solidFill>
+                <a:srgbClr val="D5D5D5"/>
+              </a:solidFill>
+              <a:highlight>
+                <a:srgbClr val="383838"/>
+              </a:highlight>
+              <a:latin typeface="Roboto"/>
+              <a:ea typeface="Roboto"/>
+              <a:cs typeface="Roboto"/>
+              <a:sym typeface="Roboto"/>
+            </a:endParaRPr>
+          </a:p>
+          <a:p>
+            <a:pPr indent="0" lvl="0" marL="0" rtl="0" algn="l">
+              <a:spcBef>
+                <a:spcPts val="0"/>
+              </a:spcBef>
+              <a:spcAft>
+                <a:spcPts val="0"/>
+              </a:spcAft>
+              <a:buNone/>
+            </a:pPr>
+            <a:r>
+              <a:t/>
+            </a:r>
+            <a:endParaRPr>
+              <a:latin typeface="Nunito"/>
+              <a:ea typeface="Nunito"/>
+              <a:cs typeface="Nunito"/>
+              <a:sym typeface="Nunito"/>
+            </a:endParaRPr>
           </a:p>
         </p:txBody>
       </p:sp>
@@ -23667,6 +23920,285 @@
 </file>
 
 <file path=ppt/theme/theme1.xml><?xml version="1.0" encoding="utf-8"?>
+<a:theme xmlns:a="http://schemas.openxmlformats.org/drawingml/2006/main" xmlns:r="http://schemas.openxmlformats.org/officeDocument/2006/relationships">
+  <a:themeElements>
+    <a:clrScheme name="Default">
+      <a:dk1>
+        <a:srgbClr val="000000"/>
+      </a:dk1>
+      <a:lt1>
+        <a:srgbClr val="FFFFFF"/>
+      </a:lt1>
+      <a:dk2>
+        <a:srgbClr val="158158"/>
+      </a:dk2>
+      <a:lt2>
+        <a:srgbClr val="F3F3F3"/>
+      </a:lt2>
+      <a:accent1>
+        <a:srgbClr val="058DC7"/>
+      </a:accent1>
+      <a:accent2>
+        <a:srgbClr val="50B432"/>
+      </a:accent2>
+      <a:accent3>
+        <a:srgbClr val="ED561B"/>
+      </a:accent3>
+      <a:accent4>
+        <a:srgbClr val="EDEF00"/>
+      </a:accent4>
+      <a:accent5>
+        <a:srgbClr val="24CBE5"/>
+      </a:accent5>
+      <a:accent6>
+        <a:srgbClr val="64E572"/>
+      </a:accent6>
+      <a:hlink>
+        <a:srgbClr val="2200CC"/>
+      </a:hlink>
+      <a:folHlink>
+        <a:srgbClr val="551A8B"/>
+      </a:folHlink>
+    </a:clrScheme>
+    <a:fontScheme name="Office">
+      <a:majorFont>
+        <a:latin typeface="Arial"/>
+        <a:ea typeface=""/>
+        <a:cs typeface=""/>
+        <a:font script="Jpan" typeface="ＭＳ Ｐゴシック"/>
+        <a:font script="Hang" typeface="맑은 고딕"/>
+        <a:font script="Hans" typeface="宋体"/>
+        <a:font script="Hant" typeface="新細明體"/>
+        <a:font script="Arab" typeface="Times New Roman"/>
+        <a:font script="Hebr" typeface="Times New Roman"/>
+        <a:font script="Thai" typeface="Angsana New"/>
+        <a:font script="Ethi" typeface="Nyala"/>
+        <a:font script="Beng" typeface="Vrinda"/>
+        <a:font script="Gujr" typeface="Shruti"/>
+        <a:font script="Khmr" typeface="MoolBoran"/>
+        <a:font script="Knda" typeface="Tunga"/>
+        <a:font script="Guru" typeface="Raavi"/>
+        <a:font script="Cans" typeface="Euphemia"/>
+        <a:font script="Cher" typeface="Plantagenet Cherokee"/>
+        <a:font script="Yiii" typeface="Microsoft Yi Baiti"/>
+        <a:font script="Tibt" typeface="Microsoft Himalaya"/>
+        <a:font script="Thaa" typeface="MV Boli"/>
+        <a:font script="Deva" typeface="Mangal"/>
+        <a:font script="Telu" typeface="Gautami"/>
+        <a:font script="Taml" typeface="Latha"/>
+        <a:font script="Syrc" typeface="Estrangelo Edessa"/>
+        <a:font script="Orya" typeface="Kalinga"/>
+        <a:font script="Mlym" typeface="Kartika"/>
+        <a:font script="Laoo" typeface="DokChampa"/>
+        <a:font script="Sinh" typeface="Iskoola Pota"/>
+        <a:font script="Mong" typeface="Mongolian Baiti"/>
+        <a:font script="Viet" typeface="Times New Roman"/>
+        <a:font script="Uigh" typeface="Microsoft Uighur"/>
+        <a:font script="Geor" typeface="Sylfaen"/>
+      </a:majorFont>
+      <a:minorFont>
+        <a:latin typeface="Arial"/>
+        <a:ea typeface=""/>
+        <a:cs typeface=""/>
+        <a:font script="Jpan" typeface="ＭＳ Ｐゴシック"/>
+        <a:font script="Hang" typeface="맑은 고딕"/>
+        <a:font script="Hans" typeface="宋体"/>
+        <a:font script="Hant" typeface="新細明體"/>
+        <a:font script="Arab" typeface="Arial"/>
+        <a:font script="Hebr" typeface="Arial"/>
+        <a:font script="Thai" typeface="Cordia New"/>
+        <a:font script="Ethi" typeface="Nyala"/>
+        <a:font script="Beng" typeface="Vrinda"/>
+        <a:font script="Gujr" typeface="Shruti"/>
+        <a:font script="Khmr" typeface="DaunPenh"/>
+        <a:font script="Knda" typeface="Tunga"/>
+        <a:font script="Guru" typeface="Raavi"/>
+        <a:font script="Cans" typeface="Euphemia"/>
+        <a:font script="Cher" typeface="Plantagenet Cherokee"/>
+        <a:font script="Yiii" typeface="Microsoft Yi Baiti"/>
+        <a:font script="Tibt" typeface="Microsoft Himalaya"/>
+        <a:font script="Thaa" typeface="MV Boli"/>
+        <a:font script="Deva" typeface="Mangal"/>
+        <a:font script="Telu" typeface="Gautami"/>
+        <a:font script="Taml" typeface="Latha"/>
+        <a:font script="Syrc" typeface="Estrangelo Edessa"/>
+        <a:font script="Orya" typeface="Kalinga"/>
+        <a:font script="Mlym" typeface="Kartika"/>
+        <a:font script="Laoo" typeface="DokChampa"/>
+        <a:font script="Sinh" typeface="Iskoola Pota"/>
+        <a:font script="Mong" typeface="Mongolian Baiti"/>
+        <a:font script="Viet" typeface="Arial"/>
+        <a:font script="Uigh" typeface="Microsoft Uighur"/>
+        <a:font script="Geor" typeface="Sylfaen"/>
+      </a:minorFont>
+    </a:fontScheme>
+    <a:fmtScheme name="Office">
+      <a:fillStyleLst>
+        <a:solidFill>
+          <a:schemeClr val="phClr"/>
+        </a:solidFill>
+        <a:gradFill rotWithShape="1">
+          <a:gsLst>
+            <a:gs pos="0">
+              <a:schemeClr val="phClr">
+                <a:tint val="50000"/>
+                <a:satMod val="300000"/>
+              </a:schemeClr>
+            </a:gs>
+            <a:gs pos="35000">
+              <a:schemeClr val="phClr">
+                <a:tint val="37000"/>
+                <a:satMod val="300000"/>
+              </a:schemeClr>
+            </a:gs>
+            <a:gs pos="100000">
+              <a:schemeClr val="phClr">
+                <a:tint val="15000"/>
+                <a:satMod val="350000"/>
+              </a:schemeClr>
+            </a:gs>
+          </a:gsLst>
+          <a:lin ang="16200000" scaled="1"/>
+        </a:gradFill>
+        <a:gradFill rotWithShape="1">
+          <a:gsLst>
+            <a:gs pos="0">
+              <a:schemeClr val="phClr">
+                <a:tint val="100000"/>
+                <a:shade val="100000"/>
+                <a:satMod val="130000"/>
+              </a:schemeClr>
+            </a:gs>
+            <a:gs pos="100000">
+              <a:schemeClr val="phClr">
+                <a:tint val="50000"/>
+                <a:shade val="100000"/>
+                <a:satMod val="350000"/>
+              </a:schemeClr>
+            </a:gs>
+          </a:gsLst>
+          <a:lin ang="16200000" scaled="0"/>
+        </a:gradFill>
+      </a:fillStyleLst>
+      <a:lnStyleLst>
+        <a:ln w="9525" cap="flat" cmpd="sng" algn="ctr">
+          <a:solidFill>
+            <a:schemeClr val="phClr">
+              <a:shade val="95000"/>
+              <a:satMod val="105000"/>
+            </a:schemeClr>
+          </a:solidFill>
+          <a:prstDash val="solid"/>
+        </a:ln>
+        <a:ln w="25400" cap="flat" cmpd="sng" algn="ctr">
+          <a:solidFill>
+            <a:schemeClr val="phClr"/>
+          </a:solidFill>
+          <a:prstDash val="solid"/>
+        </a:ln>
+        <a:ln w="38100" cap="flat" cmpd="sng" algn="ctr">
+          <a:solidFill>
+            <a:schemeClr val="phClr"/>
+          </a:solidFill>
+          <a:prstDash val="solid"/>
+        </a:ln>
+      </a:lnStyleLst>
+      <a:effectStyleLst>
+        <a:effectStyle>
+          <a:effectLst>
+            <a:outerShdw blurRad="40000" dist="20000" dir="5400000" rotWithShape="0">
+              <a:srgbClr val="000000">
+                <a:alpha val="38000"/>
+              </a:srgbClr>
+            </a:outerShdw>
+          </a:effectLst>
+        </a:effectStyle>
+        <a:effectStyle>
+          <a:effectLst>
+            <a:outerShdw blurRad="40000" dist="23000" dir="5400000" rotWithShape="0">
+              <a:srgbClr val="000000">
+                <a:alpha val="35000"/>
+              </a:srgbClr>
+            </a:outerShdw>
+          </a:effectLst>
+        </a:effectStyle>
+        <a:effectStyle>
+          <a:effectLst>
+            <a:outerShdw blurRad="40000" dist="23000" dir="5400000" rotWithShape="0">
+              <a:srgbClr val="000000">
+                <a:alpha val="35000"/>
+              </a:srgbClr>
+            </a:outerShdw>
+          </a:effectLst>
+          <a:scene3d>
+            <a:camera prst="orthographicFront">
+              <a:rot lat="0" lon="0" rev="0"/>
+            </a:camera>
+            <a:lightRig rig="threePt" dir="t">
+              <a:rot lat="0" lon="0" rev="1200000"/>
+            </a:lightRig>
+          </a:scene3d>
+          <a:sp3d>
+            <a:bevelT w="63500" h="25400"/>
+          </a:sp3d>
+        </a:effectStyle>
+      </a:effectStyleLst>
+      <a:bgFillStyleLst>
+        <a:solidFill>
+          <a:schemeClr val="phClr"/>
+        </a:solidFill>
+        <a:gradFill rotWithShape="1">
+          <a:gsLst>
+            <a:gs pos="0">
+              <a:schemeClr val="phClr">
+                <a:tint val="40000"/>
+                <a:satMod val="350000"/>
+              </a:schemeClr>
+            </a:gs>
+            <a:gs pos="40000">
+              <a:schemeClr val="phClr">
+                <a:tint val="45000"/>
+                <a:shade val="99000"/>
+                <a:satMod val="350000"/>
+              </a:schemeClr>
+            </a:gs>
+            <a:gs pos="100000">
+              <a:schemeClr val="phClr">
+                <a:shade val="20000"/>
+                <a:satMod val="255000"/>
+              </a:schemeClr>
+            </a:gs>
+          </a:gsLst>
+          <a:path path="circle">
+            <a:fillToRect l="50000" t="-80000" r="50000" b="180000"/>
+          </a:path>
+        </a:gradFill>
+        <a:gradFill rotWithShape="1">
+          <a:gsLst>
+            <a:gs pos="0">
+              <a:schemeClr val="phClr">
+                <a:tint val="80000"/>
+                <a:satMod val="300000"/>
+              </a:schemeClr>
+            </a:gs>
+            <a:gs pos="100000">
+              <a:schemeClr val="phClr">
+                <a:shade val="30000"/>
+                <a:satMod val="200000"/>
+              </a:schemeClr>
+            </a:gs>
+          </a:gsLst>
+          <a:path path="circle">
+            <a:fillToRect l="50000" t="50000" r="50000" b="50000"/>
+          </a:path>
+        </a:gradFill>
+      </a:bgFillStyleLst>
+    </a:fmtScheme>
+  </a:themeElements>
+</a:theme>
+</file>
+
+<file path=ppt/theme/theme2.xml><?xml version="1.0" encoding="utf-8"?>
 <a:theme xmlns:a="http://schemas.openxmlformats.org/drawingml/2006/main" xmlns:r="http://schemas.openxmlformats.org/officeDocument/2006/relationships" name="Momentum">
   <a:themeElements>
     <a:clrScheme name="Momentum">
@@ -23943,283 +24475,4 @@
     </a:fmtScheme>
   </a:themeElements>
 </a:theme>
-</file>
-
-<file path=ppt/theme/theme2.xml><?xml version="1.0" encoding="utf-8"?>
-<a:theme xmlns:a="http://schemas.openxmlformats.org/drawingml/2006/main" xmlns:r="http://schemas.openxmlformats.org/officeDocument/2006/relationships">
-  <a:themeElements>
-    <a:clrScheme name="Default">
-      <a:dk1>
-        <a:srgbClr val="000000"/>
-      </a:dk1>
-      <a:lt1>
-        <a:srgbClr val="FFFFFF"/>
-      </a:lt1>
-      <a:dk2>
-        <a:srgbClr val="158158"/>
-      </a:dk2>
-      <a:lt2>
-        <a:srgbClr val="F3F3F3"/>
-      </a:lt2>
-      <a:accent1>
-        <a:srgbClr val="058DC7"/>
-      </a:accent1>
-      <a:accent2>
-        <a:srgbClr val="50B432"/>
-      </a:accent2>
-      <a:accent3>
-        <a:srgbClr val="ED561B"/>
-      </a:accent3>
-      <a:accent4>
-        <a:srgbClr val="EDEF00"/>
-      </a:accent4>
-      <a:accent5>
-        <a:srgbClr val="24CBE5"/>
-      </a:accent5>
-      <a:accent6>
-        <a:srgbClr val="64E572"/>
-      </a:accent6>
-      <a:hlink>
-        <a:srgbClr val="2200CC"/>
-      </a:hlink>
-      <a:folHlink>
-        <a:srgbClr val="551A8B"/>
-      </a:folHlink>
-    </a:clrScheme>
-    <a:fontScheme name="Office">
-      <a:majorFont>
-        <a:latin typeface="Arial"/>
-        <a:ea typeface=""/>
-        <a:cs typeface=""/>
-        <a:font script="Jpan" typeface="ＭＳ Ｐゴシック"/>
-        <a:font script="Hang" typeface="맑은 고딕"/>
-        <a:font script="Hans" typeface="宋体"/>
-        <a:font script="Hant" typeface="新細明體"/>
-        <a:font script="Arab" typeface="Times New Roman"/>
-        <a:font script="Hebr" typeface="Times New Roman"/>
-        <a:font script="Thai" typeface="Angsana New"/>
-        <a:font script="Ethi" typeface="Nyala"/>
-        <a:font script="Beng" typeface="Vrinda"/>
-        <a:font script="Gujr" typeface="Shruti"/>
-        <a:font script="Khmr" typeface="MoolBoran"/>
-        <a:font script="Knda" typeface="Tunga"/>
-        <a:font script="Guru" typeface="Raavi"/>
-        <a:font script="Cans" typeface="Euphemia"/>
-        <a:font script="Cher" typeface="Plantagenet Cherokee"/>
-        <a:font script="Yiii" typeface="Microsoft Yi Baiti"/>
-        <a:font script="Tibt" typeface="Microsoft Himalaya"/>
-        <a:font script="Thaa" typeface="MV Boli"/>
-        <a:font script="Deva" typeface="Mangal"/>
-        <a:font script="Telu" typeface="Gautami"/>
-        <a:font script="Taml" typeface="Latha"/>
-        <a:font script="Syrc" typeface="Estrangelo Edessa"/>
-        <a:font script="Orya" typeface="Kalinga"/>
-        <a:font script="Mlym" typeface="Kartika"/>
-        <a:font script="Laoo" typeface="DokChampa"/>
-        <a:font script="Sinh" typeface="Iskoola Pota"/>
-        <a:font script="Mong" typeface="Mongolian Baiti"/>
-        <a:font script="Viet" typeface="Times New Roman"/>
-        <a:font script="Uigh" typeface="Microsoft Uighur"/>
-        <a:font script="Geor" typeface="Sylfaen"/>
-      </a:majorFont>
-      <a:minorFont>
-        <a:latin typeface="Arial"/>
-        <a:ea typeface=""/>
-        <a:cs typeface=""/>
-        <a:font script="Jpan" typeface="ＭＳ Ｐゴシック"/>
-        <a:font script="Hang" typeface="맑은 고딕"/>
-        <a:font script="Hans" typeface="宋体"/>
-        <a:font script="Hant" typeface="新細明體"/>
-        <a:font script="Arab" typeface="Arial"/>
-        <a:font script="Hebr" typeface="Arial"/>
-        <a:font script="Thai" typeface="Cordia New"/>
-        <a:font script="Ethi" typeface="Nyala"/>
-        <a:font script="Beng" typeface="Vrinda"/>
-        <a:font script="Gujr" typeface="Shruti"/>
-        <a:font script="Khmr" typeface="DaunPenh"/>
-        <a:font script="Knda" typeface="Tunga"/>
-        <a:font script="Guru" typeface="Raavi"/>
-        <a:font script="Cans" typeface="Euphemia"/>
-        <a:font script="Cher" typeface="Plantagenet Cherokee"/>
-        <a:font script="Yiii" typeface="Microsoft Yi Baiti"/>
-        <a:font script="Tibt" typeface="Microsoft Himalaya"/>
-        <a:font script="Thaa" typeface="MV Boli"/>
-        <a:font script="Deva" typeface="Mangal"/>
-        <a:font script="Telu" typeface="Gautami"/>
-        <a:font script="Taml" typeface="Latha"/>
-        <a:font script="Syrc" typeface="Estrangelo Edessa"/>
-        <a:font script="Orya" typeface="Kalinga"/>
-        <a:font script="Mlym" typeface="Kartika"/>
-        <a:font script="Laoo" typeface="DokChampa"/>
-        <a:font script="Sinh" typeface="Iskoola Pota"/>
-        <a:font script="Mong" typeface="Mongolian Baiti"/>
-        <a:font script="Viet" typeface="Arial"/>
-        <a:font script="Uigh" typeface="Microsoft Uighur"/>
-        <a:font script="Geor" typeface="Sylfaen"/>
-      </a:minorFont>
-    </a:fontScheme>
-    <a:fmtScheme name="Office">
-      <a:fillStyleLst>
-        <a:solidFill>
-          <a:schemeClr val="phClr"/>
-        </a:solidFill>
-        <a:gradFill rotWithShape="1">
-          <a:gsLst>
-            <a:gs pos="0">
-              <a:schemeClr val="phClr">
-                <a:tint val="50000"/>
-                <a:satMod val="300000"/>
-              </a:schemeClr>
-            </a:gs>
-            <a:gs pos="35000">
-              <a:schemeClr val="phClr">
-                <a:tint val="37000"/>
-                <a:satMod val="300000"/>
-              </a:schemeClr>
-            </a:gs>
-            <a:gs pos="100000">
-              <a:schemeClr val="phClr">
-                <a:tint val="15000"/>
-                <a:satMod val="350000"/>
-              </a:schemeClr>
-            </a:gs>
-          </a:gsLst>
-          <a:lin ang="16200000" scaled="1"/>
-        </a:gradFill>
-        <a:gradFill rotWithShape="1">
-          <a:gsLst>
-            <a:gs pos="0">
-              <a:schemeClr val="phClr">
-                <a:tint val="100000"/>
-                <a:shade val="100000"/>
-                <a:satMod val="130000"/>
-              </a:schemeClr>
-            </a:gs>
-            <a:gs pos="100000">
-              <a:schemeClr val="phClr">
-                <a:tint val="50000"/>
-                <a:shade val="100000"/>
-                <a:satMod val="350000"/>
-              </a:schemeClr>
-            </a:gs>
-          </a:gsLst>
-          <a:lin ang="16200000" scaled="0"/>
-        </a:gradFill>
-      </a:fillStyleLst>
-      <a:lnStyleLst>
-        <a:ln w="9525" cap="flat" cmpd="sng" algn="ctr">
-          <a:solidFill>
-            <a:schemeClr val="phClr">
-              <a:shade val="95000"/>
-              <a:satMod val="105000"/>
-            </a:schemeClr>
-          </a:solidFill>
-          <a:prstDash val="solid"/>
-        </a:ln>
-        <a:ln w="25400" cap="flat" cmpd="sng" algn="ctr">
-          <a:solidFill>
-            <a:schemeClr val="phClr"/>
-          </a:solidFill>
-          <a:prstDash val="solid"/>
-        </a:ln>
-        <a:ln w="38100" cap="flat" cmpd="sng" algn="ctr">
-          <a:solidFill>
-            <a:schemeClr val="phClr"/>
-          </a:solidFill>
-          <a:prstDash val="solid"/>
-        </a:ln>
-      </a:lnStyleLst>
-      <a:effectStyleLst>
-        <a:effectStyle>
-          <a:effectLst>
-            <a:outerShdw blurRad="40000" dist="20000" dir="5400000" rotWithShape="0">
-              <a:srgbClr val="000000">
-                <a:alpha val="38000"/>
-              </a:srgbClr>
-            </a:outerShdw>
-          </a:effectLst>
-        </a:effectStyle>
-        <a:effectStyle>
-          <a:effectLst>
-            <a:outerShdw blurRad="40000" dist="23000" dir="5400000" rotWithShape="0">
-              <a:srgbClr val="000000">
-                <a:alpha val="35000"/>
-              </a:srgbClr>
-            </a:outerShdw>
-          </a:effectLst>
-        </a:effectStyle>
-        <a:effectStyle>
-          <a:effectLst>
-            <a:outerShdw blurRad="40000" dist="23000" dir="5400000" rotWithShape="0">
-              <a:srgbClr val="000000">
-                <a:alpha val="35000"/>
-              </a:srgbClr>
-            </a:outerShdw>
-          </a:effectLst>
-          <a:scene3d>
-            <a:camera prst="orthographicFront">
-              <a:rot lat="0" lon="0" rev="0"/>
-            </a:camera>
-            <a:lightRig rig="threePt" dir="t">
-              <a:rot lat="0" lon="0" rev="1200000"/>
-            </a:lightRig>
-          </a:scene3d>
-          <a:sp3d>
-            <a:bevelT w="63500" h="25400"/>
-          </a:sp3d>
-        </a:effectStyle>
-      </a:effectStyleLst>
-      <a:bgFillStyleLst>
-        <a:solidFill>
-          <a:schemeClr val="phClr"/>
-        </a:solidFill>
-        <a:gradFill rotWithShape="1">
-          <a:gsLst>
-            <a:gs pos="0">
-              <a:schemeClr val="phClr">
-                <a:tint val="40000"/>
-                <a:satMod val="350000"/>
-              </a:schemeClr>
-            </a:gs>
-            <a:gs pos="40000">
-              <a:schemeClr val="phClr">
-                <a:tint val="45000"/>
-                <a:shade val="99000"/>
-                <a:satMod val="350000"/>
-              </a:schemeClr>
-            </a:gs>
-            <a:gs pos="100000">
-              <a:schemeClr val="phClr">
-                <a:shade val="20000"/>
-                <a:satMod val="255000"/>
-              </a:schemeClr>
-            </a:gs>
-          </a:gsLst>
-          <a:path path="circle">
-            <a:fillToRect l="50000" t="-80000" r="50000" b="180000"/>
-          </a:path>
-        </a:gradFill>
-        <a:gradFill rotWithShape="1">
-          <a:gsLst>
-            <a:gs pos="0">
-              <a:schemeClr val="phClr">
-                <a:tint val="80000"/>
-                <a:satMod val="300000"/>
-              </a:schemeClr>
-            </a:gs>
-            <a:gs pos="100000">
-              <a:schemeClr val="phClr">
-                <a:shade val="30000"/>
-                <a:satMod val="200000"/>
-              </a:schemeClr>
-            </a:gs>
-          </a:gsLst>
-          <a:path path="circle">
-            <a:fillToRect l="50000" t="50000" r="50000" b="50000"/>
-          </a:path>
-        </a:gradFill>
-      </a:bgFillStyleLst>
-    </a:fmtScheme>
-  </a:themeElements>
-</a:theme>
 </file>